--- a/Sasha_Britikov/Final_version/Бритиков_Э03.pptx
+++ b/Sasha_Britikov/Final_version/Бритиков_Э03.pptx
@@ -1,12 +1,12 @@
 
 <file path=ppt/presentation.xml><?xml version="1.0" encoding="utf-8"?>
-<p:presentation xmlns:a="http://schemas.openxmlformats.org/drawingml/2006/main" xmlns:r="http://schemas.openxmlformats.org/officeDocument/2006/relationships" xmlns:p="http://schemas.openxmlformats.org/presentationml/2006/main" saveSubsetFonts="1">
+<p:presentation xmlns:a="http://schemas.openxmlformats.org/drawingml/2006/main" xmlns:r="http://schemas.openxmlformats.org/officeDocument/2006/relationships" xmlns:p="http://schemas.openxmlformats.org/presentationml/2006/main">
   <p:sldMasterIdLst>
     <p:sldMasterId id="2147483648" r:id="rId1"/>
   </p:sldMasterIdLst>
   <p:sldIdLst>
-    <p:sldId id="259" r:id="rId2"/>
-    <p:sldId id="258" r:id="rId3"/>
+    <p:sldId id="259" r:id="rId3"/>
+    <p:sldId id="258" r:id="rId4"/>
   </p:sldIdLst>
   <p:sldSz cx="9144000" cy="5143500" type="screen16x9"/>
   <p:notesSz cx="6858000" cy="9144000"/>
@@ -138,12 +138,12 @@
   <p:extLst>
     <p:ext uri="{EFAFB233-063F-42B5-8137-9DF3F51BA10A}">
       <p15:sldGuideLst xmlns:p15="http://schemas.microsoft.com/office/powerpoint/2012/main">
-        <p15:guide id="1" orient="horz" pos="1620">
+        <p15:guide id="1" orient="horz" pos="1620" userDrawn="1">
           <p15:clr>
             <a:srgbClr val="A4A3A4"/>
           </p15:clr>
         </p15:guide>
-        <p15:guide id="2" pos="2880">
+        <p15:guide id="2" pos="2880" userDrawn="1">
           <p15:clr>
             <a:srgbClr val="A4A3A4"/>
           </p15:clr>
@@ -201,6 +201,7 @@
               <a:rPr lang="ru-RU"/>
               <a:t>Образец заголовка</a:t>
             </a:r>
+            <a:endParaRPr lang="ru-RU"/>
           </a:p>
         </p:txBody>
       </p:sp>
@@ -319,18 +320,13 @@
               <a:rPr lang="ru-RU"/>
               <a:t>Образец подзаголовка</a:t>
             </a:r>
-          </a:p>
-        </p:txBody>
-      </p:sp>
-      <p:sp>
-        <p:nvSpPr>
-          <p:cNvPr id="4" name="Дата 3">
-            <a:extLst>
-              <a:ext uri="{FF2B5EF4-FFF2-40B4-BE49-F238E27FC236}">
-                <a16:creationId xmlns:a16="http://schemas.microsoft.com/office/drawing/2014/main" id="{F299639A-DBD5-4A20-9C01-EFB85325812A}"/>
-              </a:ext>
-            </a:extLst>
-          </p:cNvPr>
+            <a:endParaRPr lang="ru-RU"/>
+          </a:p>
+        </p:txBody>
+      </p:sp>
+      <p:sp>
+        <p:nvSpPr>
+          <p:cNvPr id="4" name="Дата 3"/>
           <p:cNvSpPr>
             <a:spLocks noGrp="1"/>
           </p:cNvSpPr>
@@ -352,10 +348,6 @@
             </a:pPr>
             <a:fld id="{927D2374-9057-43EF-BB73-5F1D63DCAE13}" type="datetimeFigureOut">
               <a:rPr lang="ru-RU"/>
-              <a:pPr>
-                <a:defRPr/>
-              </a:pPr>
-              <a:t>31.01.2025</a:t>
             </a:fld>
             <a:endParaRPr lang="ru-RU"/>
           </a:p>
@@ -363,13 +355,7 @@
       </p:sp>
       <p:sp>
         <p:nvSpPr>
-          <p:cNvPr id="5" name="Нижний колонтитул 4">
-            <a:extLst>
-              <a:ext uri="{FF2B5EF4-FFF2-40B4-BE49-F238E27FC236}">
-                <a16:creationId xmlns:a16="http://schemas.microsoft.com/office/drawing/2014/main" id="{F7942DA5-4BB4-4C52-AB12-E5E06CC755EE}"/>
-              </a:ext>
-            </a:extLst>
-          </p:cNvPr>
+          <p:cNvPr id="5" name="Нижний колонтитул 4"/>
           <p:cNvSpPr>
             <a:spLocks noGrp="1"/>
           </p:cNvSpPr>
@@ -395,13 +381,7 @@
       </p:sp>
       <p:sp>
         <p:nvSpPr>
-          <p:cNvPr id="6" name="Номер слайда 5">
-            <a:extLst>
-              <a:ext uri="{FF2B5EF4-FFF2-40B4-BE49-F238E27FC236}">
-                <a16:creationId xmlns:a16="http://schemas.microsoft.com/office/drawing/2014/main" id="{4CA99260-45A8-4D7E-90A8-5F1F5A0E1EE3}"/>
-              </a:ext>
-            </a:extLst>
-          </p:cNvPr>
+          <p:cNvPr id="6" name="Номер слайда 5"/>
           <p:cNvSpPr>
             <a:spLocks noGrp="1"/>
           </p:cNvSpPr>
@@ -420,19 +400,12 @@
           <a:p>
             <a:fld id="{07888BBD-D854-4A20-8754-D8D892468CDC}" type="slidenum">
               <a:rPr lang="ru-RU" altLang="ru-RU"/>
-              <a:pPr/>
-              <a:t>‹#›</a:t>
             </a:fld>
             <a:endParaRPr lang="ru-RU" altLang="ru-RU"/>
           </a:p>
         </p:txBody>
       </p:sp>
     </p:spTree>
-    <p:extLst>
-      <p:ext uri="{BB962C8B-B14F-4D97-AF65-F5344CB8AC3E}">
-        <p14:creationId xmlns:p14="http://schemas.microsoft.com/office/powerpoint/2010/main" val="3662021451"/>
-      </p:ext>
-    </p:extLst>
   </p:cSld>
   <p:clrMapOvr>
     <a:masterClrMapping/>
@@ -476,6 +449,7 @@
               <a:rPr lang="ru-RU"/>
               <a:t>Образец заголовка</a:t>
             </a:r>
+            <a:endParaRPr lang="ru-RU"/>
           </a:p>
         </p:txBody>
       </p:sp>
@@ -499,6 +473,7 @@
               <a:rPr lang="ru-RU"/>
               <a:t>Образец текста</a:t>
             </a:r>
+            <a:endParaRPr lang="ru-RU"/>
           </a:p>
           <a:p>
             <a:pPr lvl="1"/>
@@ -506,6 +481,7 @@
               <a:rPr lang="ru-RU"/>
               <a:t>Второй уровень</a:t>
             </a:r>
+            <a:endParaRPr lang="ru-RU"/>
           </a:p>
           <a:p>
             <a:pPr lvl="2"/>
@@ -513,6 +489,7 @@
               <a:rPr lang="ru-RU"/>
               <a:t>Третий уровень</a:t>
             </a:r>
+            <a:endParaRPr lang="ru-RU"/>
           </a:p>
           <a:p>
             <a:pPr lvl="3"/>
@@ -520,6 +497,7 @@
               <a:rPr lang="ru-RU"/>
               <a:t>Четвертый уровень</a:t>
             </a:r>
+            <a:endParaRPr lang="ru-RU"/>
           </a:p>
           <a:p>
             <a:pPr lvl="4"/>
@@ -527,18 +505,13 @@
               <a:rPr lang="ru-RU"/>
               <a:t>Пятый уровень</a:t>
             </a:r>
-          </a:p>
-        </p:txBody>
-      </p:sp>
-      <p:sp>
-        <p:nvSpPr>
-          <p:cNvPr id="4" name="Дата 3">
-            <a:extLst>
-              <a:ext uri="{FF2B5EF4-FFF2-40B4-BE49-F238E27FC236}">
-                <a16:creationId xmlns:a16="http://schemas.microsoft.com/office/drawing/2014/main" id="{217A946C-66FE-438C-A3A0-AE58A29D8591}"/>
-              </a:ext>
-            </a:extLst>
-          </p:cNvPr>
+            <a:endParaRPr lang="ru-RU"/>
+          </a:p>
+        </p:txBody>
+      </p:sp>
+      <p:sp>
+        <p:nvSpPr>
+          <p:cNvPr id="4" name="Дата 3"/>
           <p:cNvSpPr>
             <a:spLocks noGrp="1"/>
           </p:cNvSpPr>
@@ -560,10 +533,6 @@
             </a:pPr>
             <a:fld id="{81A025A3-09BC-483B-B1C2-F8B2CB03554A}" type="datetimeFigureOut">
               <a:rPr lang="ru-RU"/>
-              <a:pPr>
-                <a:defRPr/>
-              </a:pPr>
-              <a:t>31.01.2025</a:t>
             </a:fld>
             <a:endParaRPr lang="ru-RU"/>
           </a:p>
@@ -571,13 +540,7 @@
       </p:sp>
       <p:sp>
         <p:nvSpPr>
-          <p:cNvPr id="5" name="Нижний колонтитул 4">
-            <a:extLst>
-              <a:ext uri="{FF2B5EF4-FFF2-40B4-BE49-F238E27FC236}">
-                <a16:creationId xmlns:a16="http://schemas.microsoft.com/office/drawing/2014/main" id="{4C7D1F3F-F74A-40F4-B56C-7D6CD1ED59BD}"/>
-              </a:ext>
-            </a:extLst>
-          </p:cNvPr>
+          <p:cNvPr id="5" name="Нижний колонтитул 4"/>
           <p:cNvSpPr>
             <a:spLocks noGrp="1"/>
           </p:cNvSpPr>
@@ -603,13 +566,7 @@
       </p:sp>
       <p:sp>
         <p:nvSpPr>
-          <p:cNvPr id="6" name="Номер слайда 5">
-            <a:extLst>
-              <a:ext uri="{FF2B5EF4-FFF2-40B4-BE49-F238E27FC236}">
-                <a16:creationId xmlns:a16="http://schemas.microsoft.com/office/drawing/2014/main" id="{62EDAE6D-0FC4-42B7-906D-FD1DE69F84D5}"/>
-              </a:ext>
-            </a:extLst>
-          </p:cNvPr>
+          <p:cNvPr id="6" name="Номер слайда 5"/>
           <p:cNvSpPr>
             <a:spLocks noGrp="1"/>
           </p:cNvSpPr>
@@ -628,19 +585,12 @@
           <a:p>
             <a:fld id="{07CEAA42-19F7-4FB4-8BD2-082323836C47}" type="slidenum">
               <a:rPr lang="ru-RU" altLang="ru-RU"/>
-              <a:pPr/>
-              <a:t>‹#›</a:t>
             </a:fld>
             <a:endParaRPr lang="ru-RU" altLang="ru-RU"/>
           </a:p>
         </p:txBody>
       </p:sp>
     </p:spTree>
-    <p:extLst>
-      <p:ext uri="{BB962C8B-B14F-4D97-AF65-F5344CB8AC3E}">
-        <p14:creationId xmlns:p14="http://schemas.microsoft.com/office/powerpoint/2010/main" val="407160930"/>
-      </p:ext>
-    </p:extLst>
   </p:cSld>
   <p:clrMapOvr>
     <a:masterClrMapping/>
@@ -689,6 +639,7 @@
               <a:rPr lang="ru-RU"/>
               <a:t>Образец заголовка</a:t>
             </a:r>
+            <a:endParaRPr lang="ru-RU"/>
           </a:p>
         </p:txBody>
       </p:sp>
@@ -717,6 +668,7 @@
               <a:rPr lang="ru-RU"/>
               <a:t>Образец текста</a:t>
             </a:r>
+            <a:endParaRPr lang="ru-RU"/>
           </a:p>
           <a:p>
             <a:pPr lvl="1"/>
@@ -724,6 +676,7 @@
               <a:rPr lang="ru-RU"/>
               <a:t>Второй уровень</a:t>
             </a:r>
+            <a:endParaRPr lang="ru-RU"/>
           </a:p>
           <a:p>
             <a:pPr lvl="2"/>
@@ -731,6 +684,7 @@
               <a:rPr lang="ru-RU"/>
               <a:t>Третий уровень</a:t>
             </a:r>
+            <a:endParaRPr lang="ru-RU"/>
           </a:p>
           <a:p>
             <a:pPr lvl="3"/>
@@ -738,6 +692,7 @@
               <a:rPr lang="ru-RU"/>
               <a:t>Четвертый уровень</a:t>
             </a:r>
+            <a:endParaRPr lang="ru-RU"/>
           </a:p>
           <a:p>
             <a:pPr lvl="4"/>
@@ -745,18 +700,13 @@
               <a:rPr lang="ru-RU"/>
               <a:t>Пятый уровень</a:t>
             </a:r>
-          </a:p>
-        </p:txBody>
-      </p:sp>
-      <p:sp>
-        <p:nvSpPr>
-          <p:cNvPr id="4" name="Дата 3">
-            <a:extLst>
-              <a:ext uri="{FF2B5EF4-FFF2-40B4-BE49-F238E27FC236}">
-                <a16:creationId xmlns:a16="http://schemas.microsoft.com/office/drawing/2014/main" id="{134D6C8A-2085-43FA-B539-EFD32DDECD59}"/>
-              </a:ext>
-            </a:extLst>
-          </p:cNvPr>
+            <a:endParaRPr lang="ru-RU"/>
+          </a:p>
+        </p:txBody>
+      </p:sp>
+      <p:sp>
+        <p:nvSpPr>
+          <p:cNvPr id="4" name="Дата 3"/>
           <p:cNvSpPr>
             <a:spLocks noGrp="1"/>
           </p:cNvSpPr>
@@ -778,10 +728,6 @@
             </a:pPr>
             <a:fld id="{143B997D-9322-48BE-A5CE-78828DC097EC}" type="datetimeFigureOut">
               <a:rPr lang="ru-RU"/>
-              <a:pPr>
-                <a:defRPr/>
-              </a:pPr>
-              <a:t>31.01.2025</a:t>
             </a:fld>
             <a:endParaRPr lang="ru-RU"/>
           </a:p>
@@ -789,13 +735,7 @@
       </p:sp>
       <p:sp>
         <p:nvSpPr>
-          <p:cNvPr id="5" name="Нижний колонтитул 4">
-            <a:extLst>
-              <a:ext uri="{FF2B5EF4-FFF2-40B4-BE49-F238E27FC236}">
-                <a16:creationId xmlns:a16="http://schemas.microsoft.com/office/drawing/2014/main" id="{C48B69FC-A521-45D6-A66B-08A452B5DB9C}"/>
-              </a:ext>
-            </a:extLst>
-          </p:cNvPr>
+          <p:cNvPr id="5" name="Нижний колонтитул 4"/>
           <p:cNvSpPr>
             <a:spLocks noGrp="1"/>
           </p:cNvSpPr>
@@ -821,13 +761,7 @@
       </p:sp>
       <p:sp>
         <p:nvSpPr>
-          <p:cNvPr id="6" name="Номер слайда 5">
-            <a:extLst>
-              <a:ext uri="{FF2B5EF4-FFF2-40B4-BE49-F238E27FC236}">
-                <a16:creationId xmlns:a16="http://schemas.microsoft.com/office/drawing/2014/main" id="{2B418D80-DB62-48D2-8AA3-07281D8AB910}"/>
-              </a:ext>
-            </a:extLst>
-          </p:cNvPr>
+          <p:cNvPr id="6" name="Номер слайда 5"/>
           <p:cNvSpPr>
             <a:spLocks noGrp="1"/>
           </p:cNvSpPr>
@@ -846,19 +780,12 @@
           <a:p>
             <a:fld id="{63091139-8A09-4E4F-8FA8-88915146A407}" type="slidenum">
               <a:rPr lang="ru-RU" altLang="ru-RU"/>
-              <a:pPr/>
-              <a:t>‹#›</a:t>
             </a:fld>
             <a:endParaRPr lang="ru-RU" altLang="ru-RU"/>
           </a:p>
         </p:txBody>
       </p:sp>
     </p:spTree>
-    <p:extLst>
-      <p:ext uri="{BB962C8B-B14F-4D97-AF65-F5344CB8AC3E}">
-        <p14:creationId xmlns:p14="http://schemas.microsoft.com/office/powerpoint/2010/main" val="3552974840"/>
-      </p:ext>
-    </p:extLst>
   </p:cSld>
   <p:clrMapOvr>
     <a:masterClrMapping/>
@@ -902,6 +829,7 @@
               <a:rPr lang="ru-RU"/>
               <a:t>Образец заголовка</a:t>
             </a:r>
+            <a:endParaRPr lang="ru-RU"/>
           </a:p>
         </p:txBody>
       </p:sp>
@@ -925,6 +853,7 @@
               <a:rPr lang="ru-RU"/>
               <a:t>Образец текста</a:t>
             </a:r>
+            <a:endParaRPr lang="ru-RU"/>
           </a:p>
           <a:p>
             <a:pPr lvl="1"/>
@@ -932,6 +861,7 @@
               <a:rPr lang="ru-RU"/>
               <a:t>Второй уровень</a:t>
             </a:r>
+            <a:endParaRPr lang="ru-RU"/>
           </a:p>
           <a:p>
             <a:pPr lvl="2"/>
@@ -939,6 +869,7 @@
               <a:rPr lang="ru-RU"/>
               <a:t>Третий уровень</a:t>
             </a:r>
+            <a:endParaRPr lang="ru-RU"/>
           </a:p>
           <a:p>
             <a:pPr lvl="3"/>
@@ -946,6 +877,7 @@
               <a:rPr lang="ru-RU"/>
               <a:t>Четвертый уровень</a:t>
             </a:r>
+            <a:endParaRPr lang="ru-RU"/>
           </a:p>
           <a:p>
             <a:pPr lvl="4"/>
@@ -953,18 +885,13 @@
               <a:rPr lang="ru-RU"/>
               <a:t>Пятый уровень</a:t>
             </a:r>
-          </a:p>
-        </p:txBody>
-      </p:sp>
-      <p:sp>
-        <p:nvSpPr>
-          <p:cNvPr id="4" name="Дата 3">
-            <a:extLst>
-              <a:ext uri="{FF2B5EF4-FFF2-40B4-BE49-F238E27FC236}">
-                <a16:creationId xmlns:a16="http://schemas.microsoft.com/office/drawing/2014/main" id="{5D58D1CC-D493-4F6C-ABCA-7F44647B2750}"/>
-              </a:ext>
-            </a:extLst>
-          </p:cNvPr>
+            <a:endParaRPr lang="ru-RU"/>
+          </a:p>
+        </p:txBody>
+      </p:sp>
+      <p:sp>
+        <p:nvSpPr>
+          <p:cNvPr id="4" name="Дата 3"/>
           <p:cNvSpPr>
             <a:spLocks noGrp="1"/>
           </p:cNvSpPr>
@@ -986,10 +913,6 @@
             </a:pPr>
             <a:fld id="{7059D929-2DE5-40F4-9C9C-A001FA790328}" type="datetimeFigureOut">
               <a:rPr lang="ru-RU"/>
-              <a:pPr>
-                <a:defRPr/>
-              </a:pPr>
-              <a:t>31.01.2025</a:t>
             </a:fld>
             <a:endParaRPr lang="ru-RU"/>
           </a:p>
@@ -997,13 +920,7 @@
       </p:sp>
       <p:sp>
         <p:nvSpPr>
-          <p:cNvPr id="5" name="Нижний колонтитул 4">
-            <a:extLst>
-              <a:ext uri="{FF2B5EF4-FFF2-40B4-BE49-F238E27FC236}">
-                <a16:creationId xmlns:a16="http://schemas.microsoft.com/office/drawing/2014/main" id="{3D02B27A-9176-4152-BF16-6B6735F5A102}"/>
-              </a:ext>
-            </a:extLst>
-          </p:cNvPr>
+          <p:cNvPr id="5" name="Нижний колонтитул 4"/>
           <p:cNvSpPr>
             <a:spLocks noGrp="1"/>
           </p:cNvSpPr>
@@ -1029,13 +946,7 @@
       </p:sp>
       <p:sp>
         <p:nvSpPr>
-          <p:cNvPr id="6" name="Номер слайда 5">
-            <a:extLst>
-              <a:ext uri="{FF2B5EF4-FFF2-40B4-BE49-F238E27FC236}">
-                <a16:creationId xmlns:a16="http://schemas.microsoft.com/office/drawing/2014/main" id="{B3D0119A-1FF1-494D-BCCB-85BC11A070DB}"/>
-              </a:ext>
-            </a:extLst>
-          </p:cNvPr>
+          <p:cNvPr id="6" name="Номер слайда 5"/>
           <p:cNvSpPr>
             <a:spLocks noGrp="1"/>
           </p:cNvSpPr>
@@ -1054,19 +965,12 @@
           <a:p>
             <a:fld id="{8E2F39B4-B50F-4891-8466-E3A297282BD2}" type="slidenum">
               <a:rPr lang="ru-RU" altLang="ru-RU"/>
-              <a:pPr/>
-              <a:t>‹#›</a:t>
             </a:fld>
             <a:endParaRPr lang="ru-RU" altLang="ru-RU"/>
           </a:p>
         </p:txBody>
       </p:sp>
     </p:spTree>
-    <p:extLst>
-      <p:ext uri="{BB962C8B-B14F-4D97-AF65-F5344CB8AC3E}">
-        <p14:creationId xmlns:p14="http://schemas.microsoft.com/office/powerpoint/2010/main" val="2024512738"/>
-      </p:ext>
-    </p:extLst>
   </p:cSld>
   <p:clrMapOvr>
     <a:masterClrMapping/>
@@ -1119,6 +1023,7 @@
               <a:rPr lang="ru-RU"/>
               <a:t>Образец заголовка</a:t>
             </a:r>
+            <a:endParaRPr lang="ru-RU"/>
           </a:p>
         </p:txBody>
       </p:sp>
@@ -1238,18 +1143,13 @@
               <a:rPr lang="ru-RU"/>
               <a:t>Образец текста</a:t>
             </a:r>
-          </a:p>
-        </p:txBody>
-      </p:sp>
-      <p:sp>
-        <p:nvSpPr>
-          <p:cNvPr id="4" name="Дата 3">
-            <a:extLst>
-              <a:ext uri="{FF2B5EF4-FFF2-40B4-BE49-F238E27FC236}">
-                <a16:creationId xmlns:a16="http://schemas.microsoft.com/office/drawing/2014/main" id="{DDA328F9-5E29-4DEE-9B0B-6ECD62E85A12}"/>
-              </a:ext>
-            </a:extLst>
-          </p:cNvPr>
+            <a:endParaRPr lang="ru-RU"/>
+          </a:p>
+        </p:txBody>
+      </p:sp>
+      <p:sp>
+        <p:nvSpPr>
+          <p:cNvPr id="4" name="Дата 3"/>
           <p:cNvSpPr>
             <a:spLocks noGrp="1"/>
           </p:cNvSpPr>
@@ -1271,10 +1171,6 @@
             </a:pPr>
             <a:fld id="{E26F32F6-D117-417D-A730-74676EA5314A}" type="datetimeFigureOut">
               <a:rPr lang="ru-RU"/>
-              <a:pPr>
-                <a:defRPr/>
-              </a:pPr>
-              <a:t>31.01.2025</a:t>
             </a:fld>
             <a:endParaRPr lang="ru-RU"/>
           </a:p>
@@ -1282,13 +1178,7 @@
       </p:sp>
       <p:sp>
         <p:nvSpPr>
-          <p:cNvPr id="5" name="Нижний колонтитул 4">
-            <a:extLst>
-              <a:ext uri="{FF2B5EF4-FFF2-40B4-BE49-F238E27FC236}">
-                <a16:creationId xmlns:a16="http://schemas.microsoft.com/office/drawing/2014/main" id="{6F5F98A8-53AD-434D-A761-C8D41E973634}"/>
-              </a:ext>
-            </a:extLst>
-          </p:cNvPr>
+          <p:cNvPr id="5" name="Нижний колонтитул 4"/>
           <p:cNvSpPr>
             <a:spLocks noGrp="1"/>
           </p:cNvSpPr>
@@ -1314,13 +1204,7 @@
       </p:sp>
       <p:sp>
         <p:nvSpPr>
-          <p:cNvPr id="6" name="Номер слайда 5">
-            <a:extLst>
-              <a:ext uri="{FF2B5EF4-FFF2-40B4-BE49-F238E27FC236}">
-                <a16:creationId xmlns:a16="http://schemas.microsoft.com/office/drawing/2014/main" id="{D87A6C06-E49C-4CD9-A18C-1A6C8DA2C125}"/>
-              </a:ext>
-            </a:extLst>
-          </p:cNvPr>
+          <p:cNvPr id="6" name="Номер слайда 5"/>
           <p:cNvSpPr>
             <a:spLocks noGrp="1"/>
           </p:cNvSpPr>
@@ -1339,19 +1223,12 @@
           <a:p>
             <a:fld id="{506D7860-5396-4238-98D1-C36AA0A08146}" type="slidenum">
               <a:rPr lang="ru-RU" altLang="ru-RU"/>
-              <a:pPr/>
-              <a:t>‹#›</a:t>
             </a:fld>
             <a:endParaRPr lang="ru-RU" altLang="ru-RU"/>
           </a:p>
         </p:txBody>
       </p:sp>
     </p:spTree>
-    <p:extLst>
-      <p:ext uri="{BB962C8B-B14F-4D97-AF65-F5344CB8AC3E}">
-        <p14:creationId xmlns:p14="http://schemas.microsoft.com/office/powerpoint/2010/main" val="1511273323"/>
-      </p:ext>
-    </p:extLst>
   </p:cSld>
   <p:clrMapOvr>
     <a:masterClrMapping/>
@@ -1395,6 +1272,7 @@
               <a:rPr lang="ru-RU"/>
               <a:t>Образец заголовка</a:t>
             </a:r>
+            <a:endParaRPr lang="ru-RU"/>
           </a:p>
         </p:txBody>
       </p:sp>
@@ -1451,6 +1329,7 @@
               <a:rPr lang="ru-RU"/>
               <a:t>Образец текста</a:t>
             </a:r>
+            <a:endParaRPr lang="ru-RU"/>
           </a:p>
           <a:p>
             <a:pPr lvl="1"/>
@@ -1458,6 +1337,7 @@
               <a:rPr lang="ru-RU"/>
               <a:t>Второй уровень</a:t>
             </a:r>
+            <a:endParaRPr lang="ru-RU"/>
           </a:p>
           <a:p>
             <a:pPr lvl="2"/>
@@ -1465,6 +1345,7 @@
               <a:rPr lang="ru-RU"/>
               <a:t>Третий уровень</a:t>
             </a:r>
+            <a:endParaRPr lang="ru-RU"/>
           </a:p>
           <a:p>
             <a:pPr lvl="3"/>
@@ -1472,6 +1353,7 @@
               <a:rPr lang="ru-RU"/>
               <a:t>Четвертый уровень</a:t>
             </a:r>
+            <a:endParaRPr lang="ru-RU"/>
           </a:p>
           <a:p>
             <a:pPr lvl="4"/>
@@ -1479,6 +1361,7 @@
               <a:rPr lang="ru-RU"/>
               <a:t>Пятый уровень</a:t>
             </a:r>
+            <a:endParaRPr lang="ru-RU"/>
           </a:p>
         </p:txBody>
       </p:sp>
@@ -1535,6 +1418,7 @@
               <a:rPr lang="ru-RU"/>
               <a:t>Образец текста</a:t>
             </a:r>
+            <a:endParaRPr lang="ru-RU"/>
           </a:p>
           <a:p>
             <a:pPr lvl="1"/>
@@ -1542,6 +1426,7 @@
               <a:rPr lang="ru-RU"/>
               <a:t>Второй уровень</a:t>
             </a:r>
+            <a:endParaRPr lang="ru-RU"/>
           </a:p>
           <a:p>
             <a:pPr lvl="2"/>
@@ -1549,6 +1434,7 @@
               <a:rPr lang="ru-RU"/>
               <a:t>Третий уровень</a:t>
             </a:r>
+            <a:endParaRPr lang="ru-RU"/>
           </a:p>
           <a:p>
             <a:pPr lvl="3"/>
@@ -1556,6 +1442,7 @@
               <a:rPr lang="ru-RU"/>
               <a:t>Четвертый уровень</a:t>
             </a:r>
+            <a:endParaRPr lang="ru-RU"/>
           </a:p>
           <a:p>
             <a:pPr lvl="4"/>
@@ -1563,18 +1450,13 @@
               <a:rPr lang="ru-RU"/>
               <a:t>Пятый уровень</a:t>
             </a:r>
-          </a:p>
-        </p:txBody>
-      </p:sp>
-      <p:sp>
-        <p:nvSpPr>
-          <p:cNvPr id="5" name="Дата 3">
-            <a:extLst>
-              <a:ext uri="{FF2B5EF4-FFF2-40B4-BE49-F238E27FC236}">
-                <a16:creationId xmlns:a16="http://schemas.microsoft.com/office/drawing/2014/main" id="{EB86E2D3-103B-4AC9-B972-83ECC84CCA16}"/>
-              </a:ext>
-            </a:extLst>
-          </p:cNvPr>
+            <a:endParaRPr lang="ru-RU"/>
+          </a:p>
+        </p:txBody>
+      </p:sp>
+      <p:sp>
+        <p:nvSpPr>
+          <p:cNvPr id="5" name="Дата 3"/>
           <p:cNvSpPr>
             <a:spLocks noGrp="1"/>
           </p:cNvSpPr>
@@ -1596,10 +1478,6 @@
             </a:pPr>
             <a:fld id="{F45EF991-8748-476D-B54A-2FDBC70E11FB}" type="datetimeFigureOut">
               <a:rPr lang="ru-RU"/>
-              <a:pPr>
-                <a:defRPr/>
-              </a:pPr>
-              <a:t>31.01.2025</a:t>
             </a:fld>
             <a:endParaRPr lang="ru-RU"/>
           </a:p>
@@ -1607,13 +1485,7 @@
       </p:sp>
       <p:sp>
         <p:nvSpPr>
-          <p:cNvPr id="6" name="Нижний колонтитул 4">
-            <a:extLst>
-              <a:ext uri="{FF2B5EF4-FFF2-40B4-BE49-F238E27FC236}">
-                <a16:creationId xmlns:a16="http://schemas.microsoft.com/office/drawing/2014/main" id="{EAC960B2-F99D-47B8-B6C8-EC046ABE545B}"/>
-              </a:ext>
-            </a:extLst>
-          </p:cNvPr>
+          <p:cNvPr id="6" name="Нижний колонтитул 4"/>
           <p:cNvSpPr>
             <a:spLocks noGrp="1"/>
           </p:cNvSpPr>
@@ -1639,13 +1511,7 @@
       </p:sp>
       <p:sp>
         <p:nvSpPr>
-          <p:cNvPr id="7" name="Номер слайда 5">
-            <a:extLst>
-              <a:ext uri="{FF2B5EF4-FFF2-40B4-BE49-F238E27FC236}">
-                <a16:creationId xmlns:a16="http://schemas.microsoft.com/office/drawing/2014/main" id="{B7E0AD06-F418-4085-9824-FD97BB29E960}"/>
-              </a:ext>
-            </a:extLst>
-          </p:cNvPr>
+          <p:cNvPr id="7" name="Номер слайда 5"/>
           <p:cNvSpPr>
             <a:spLocks noGrp="1"/>
           </p:cNvSpPr>
@@ -1664,19 +1530,12 @@
           <a:p>
             <a:fld id="{0C0BE4E3-A5FC-4F66-B3F7-5E58F36262CA}" type="slidenum">
               <a:rPr lang="ru-RU" altLang="ru-RU"/>
-              <a:pPr/>
-              <a:t>‹#›</a:t>
             </a:fld>
             <a:endParaRPr lang="ru-RU" altLang="ru-RU"/>
           </a:p>
         </p:txBody>
       </p:sp>
     </p:spTree>
-    <p:extLst>
-      <p:ext uri="{BB962C8B-B14F-4D97-AF65-F5344CB8AC3E}">
-        <p14:creationId xmlns:p14="http://schemas.microsoft.com/office/powerpoint/2010/main" val="3341664547"/>
-      </p:ext>
-    </p:extLst>
   </p:cSld>
   <p:clrMapOvr>
     <a:masterClrMapping/>
@@ -1724,6 +1583,7 @@
               <a:rPr lang="ru-RU"/>
               <a:t>Образец заголовка</a:t>
             </a:r>
+            <a:endParaRPr lang="ru-RU"/>
           </a:p>
         </p:txBody>
       </p:sp>
@@ -1789,6 +1649,7 @@
               <a:rPr lang="ru-RU"/>
               <a:t>Образец текста</a:t>
             </a:r>
+            <a:endParaRPr lang="ru-RU"/>
           </a:p>
         </p:txBody>
       </p:sp>
@@ -1845,6 +1706,7 @@
               <a:rPr lang="ru-RU"/>
               <a:t>Образец текста</a:t>
             </a:r>
+            <a:endParaRPr lang="ru-RU"/>
           </a:p>
           <a:p>
             <a:pPr lvl="1"/>
@@ -1852,6 +1714,7 @@
               <a:rPr lang="ru-RU"/>
               <a:t>Второй уровень</a:t>
             </a:r>
+            <a:endParaRPr lang="ru-RU"/>
           </a:p>
           <a:p>
             <a:pPr lvl="2"/>
@@ -1859,6 +1722,7 @@
               <a:rPr lang="ru-RU"/>
               <a:t>Третий уровень</a:t>
             </a:r>
+            <a:endParaRPr lang="ru-RU"/>
           </a:p>
           <a:p>
             <a:pPr lvl="3"/>
@@ -1866,6 +1730,7 @@
               <a:rPr lang="ru-RU"/>
               <a:t>Четвертый уровень</a:t>
             </a:r>
+            <a:endParaRPr lang="ru-RU"/>
           </a:p>
           <a:p>
             <a:pPr lvl="4"/>
@@ -1873,6 +1738,7 @@
               <a:rPr lang="ru-RU"/>
               <a:t>Пятый уровень</a:t>
             </a:r>
+            <a:endParaRPr lang="ru-RU"/>
           </a:p>
         </p:txBody>
       </p:sp>
@@ -1938,6 +1804,7 @@
               <a:rPr lang="ru-RU"/>
               <a:t>Образец текста</a:t>
             </a:r>
+            <a:endParaRPr lang="ru-RU"/>
           </a:p>
         </p:txBody>
       </p:sp>
@@ -1994,6 +1861,7 @@
               <a:rPr lang="ru-RU"/>
               <a:t>Образец текста</a:t>
             </a:r>
+            <a:endParaRPr lang="ru-RU"/>
           </a:p>
           <a:p>
             <a:pPr lvl="1"/>
@@ -2001,6 +1869,7 @@
               <a:rPr lang="ru-RU"/>
               <a:t>Второй уровень</a:t>
             </a:r>
+            <a:endParaRPr lang="ru-RU"/>
           </a:p>
           <a:p>
             <a:pPr lvl="2"/>
@@ -2008,6 +1877,7 @@
               <a:rPr lang="ru-RU"/>
               <a:t>Третий уровень</a:t>
             </a:r>
+            <a:endParaRPr lang="ru-RU"/>
           </a:p>
           <a:p>
             <a:pPr lvl="3"/>
@@ -2015,6 +1885,7 @@
               <a:rPr lang="ru-RU"/>
               <a:t>Четвертый уровень</a:t>
             </a:r>
+            <a:endParaRPr lang="ru-RU"/>
           </a:p>
           <a:p>
             <a:pPr lvl="4"/>
@@ -2022,18 +1893,13 @@
               <a:rPr lang="ru-RU"/>
               <a:t>Пятый уровень</a:t>
             </a:r>
-          </a:p>
-        </p:txBody>
-      </p:sp>
-      <p:sp>
-        <p:nvSpPr>
-          <p:cNvPr id="7" name="Дата 3">
-            <a:extLst>
-              <a:ext uri="{FF2B5EF4-FFF2-40B4-BE49-F238E27FC236}">
-                <a16:creationId xmlns:a16="http://schemas.microsoft.com/office/drawing/2014/main" id="{CCF81FB5-849E-4D5D-A2B8-A84FF45E20C4}"/>
-              </a:ext>
-            </a:extLst>
-          </p:cNvPr>
+            <a:endParaRPr lang="ru-RU"/>
+          </a:p>
+        </p:txBody>
+      </p:sp>
+      <p:sp>
+        <p:nvSpPr>
+          <p:cNvPr id="7" name="Дата 3"/>
           <p:cNvSpPr>
             <a:spLocks noGrp="1"/>
           </p:cNvSpPr>
@@ -2055,10 +1921,6 @@
             </a:pPr>
             <a:fld id="{7A844047-B562-448A-9127-8445D3249162}" type="datetimeFigureOut">
               <a:rPr lang="ru-RU"/>
-              <a:pPr>
-                <a:defRPr/>
-              </a:pPr>
-              <a:t>31.01.2025</a:t>
             </a:fld>
             <a:endParaRPr lang="ru-RU"/>
           </a:p>
@@ -2066,13 +1928,7 @@
       </p:sp>
       <p:sp>
         <p:nvSpPr>
-          <p:cNvPr id="8" name="Нижний колонтитул 4">
-            <a:extLst>
-              <a:ext uri="{FF2B5EF4-FFF2-40B4-BE49-F238E27FC236}">
-                <a16:creationId xmlns:a16="http://schemas.microsoft.com/office/drawing/2014/main" id="{0B12F24F-40CD-454E-BF1E-470EBE6B8DC3}"/>
-              </a:ext>
-            </a:extLst>
-          </p:cNvPr>
+          <p:cNvPr id="8" name="Нижний колонтитул 4"/>
           <p:cNvSpPr>
             <a:spLocks noGrp="1"/>
           </p:cNvSpPr>
@@ -2098,13 +1954,7 @@
       </p:sp>
       <p:sp>
         <p:nvSpPr>
-          <p:cNvPr id="9" name="Номер слайда 5">
-            <a:extLst>
-              <a:ext uri="{FF2B5EF4-FFF2-40B4-BE49-F238E27FC236}">
-                <a16:creationId xmlns:a16="http://schemas.microsoft.com/office/drawing/2014/main" id="{78CF378B-F917-4F06-8CB2-832900129C11}"/>
-              </a:ext>
-            </a:extLst>
-          </p:cNvPr>
+          <p:cNvPr id="9" name="Номер слайда 5"/>
           <p:cNvSpPr>
             <a:spLocks noGrp="1"/>
           </p:cNvSpPr>
@@ -2123,19 +1973,12 @@
           <a:p>
             <a:fld id="{4537B17A-4386-4DF9-8CE0-A5C65E4A9421}" type="slidenum">
               <a:rPr lang="ru-RU" altLang="ru-RU"/>
-              <a:pPr/>
-              <a:t>‹#›</a:t>
             </a:fld>
             <a:endParaRPr lang="ru-RU" altLang="ru-RU"/>
           </a:p>
         </p:txBody>
       </p:sp>
     </p:spTree>
-    <p:extLst>
-      <p:ext uri="{BB962C8B-B14F-4D97-AF65-F5344CB8AC3E}">
-        <p14:creationId xmlns:p14="http://schemas.microsoft.com/office/powerpoint/2010/main" val="2201607321"/>
-      </p:ext>
-    </p:extLst>
   </p:cSld>
   <p:clrMapOvr>
     <a:masterClrMapping/>
@@ -2179,18 +2022,13 @@
               <a:rPr lang="ru-RU"/>
               <a:t>Образец заголовка</a:t>
             </a:r>
-          </a:p>
-        </p:txBody>
-      </p:sp>
-      <p:sp>
-        <p:nvSpPr>
-          <p:cNvPr id="3" name="Дата 3">
-            <a:extLst>
-              <a:ext uri="{FF2B5EF4-FFF2-40B4-BE49-F238E27FC236}">
-                <a16:creationId xmlns:a16="http://schemas.microsoft.com/office/drawing/2014/main" id="{48B6809E-9111-48D7-A7D2-763BA87CB825}"/>
-              </a:ext>
-            </a:extLst>
-          </p:cNvPr>
+            <a:endParaRPr lang="ru-RU"/>
+          </a:p>
+        </p:txBody>
+      </p:sp>
+      <p:sp>
+        <p:nvSpPr>
+          <p:cNvPr id="3" name="Дата 3"/>
           <p:cNvSpPr>
             <a:spLocks noGrp="1"/>
           </p:cNvSpPr>
@@ -2212,10 +2050,6 @@
             </a:pPr>
             <a:fld id="{79AEBDB0-DA3E-4663-A518-6E31BE393200}" type="datetimeFigureOut">
               <a:rPr lang="ru-RU"/>
-              <a:pPr>
-                <a:defRPr/>
-              </a:pPr>
-              <a:t>31.01.2025</a:t>
             </a:fld>
             <a:endParaRPr lang="ru-RU"/>
           </a:p>
@@ -2223,13 +2057,7 @@
       </p:sp>
       <p:sp>
         <p:nvSpPr>
-          <p:cNvPr id="4" name="Нижний колонтитул 4">
-            <a:extLst>
-              <a:ext uri="{FF2B5EF4-FFF2-40B4-BE49-F238E27FC236}">
-                <a16:creationId xmlns:a16="http://schemas.microsoft.com/office/drawing/2014/main" id="{DDB143E6-C0B0-4EB8-8F98-8845FE905A40}"/>
-              </a:ext>
-            </a:extLst>
-          </p:cNvPr>
+          <p:cNvPr id="4" name="Нижний колонтитул 4"/>
           <p:cNvSpPr>
             <a:spLocks noGrp="1"/>
           </p:cNvSpPr>
@@ -2255,13 +2083,7 @@
       </p:sp>
       <p:sp>
         <p:nvSpPr>
-          <p:cNvPr id="5" name="Номер слайда 5">
-            <a:extLst>
-              <a:ext uri="{FF2B5EF4-FFF2-40B4-BE49-F238E27FC236}">
-                <a16:creationId xmlns:a16="http://schemas.microsoft.com/office/drawing/2014/main" id="{32BBB0F5-4438-46A1-9F38-84D87BC90D3F}"/>
-              </a:ext>
-            </a:extLst>
-          </p:cNvPr>
+          <p:cNvPr id="5" name="Номер слайда 5"/>
           <p:cNvSpPr>
             <a:spLocks noGrp="1"/>
           </p:cNvSpPr>
@@ -2280,19 +2102,12 @@
           <a:p>
             <a:fld id="{43BCC82F-C8A3-489D-B2E1-378E4A685053}" type="slidenum">
               <a:rPr lang="ru-RU" altLang="ru-RU"/>
-              <a:pPr/>
-              <a:t>‹#›</a:t>
             </a:fld>
             <a:endParaRPr lang="ru-RU" altLang="ru-RU"/>
           </a:p>
         </p:txBody>
       </p:sp>
     </p:spTree>
-    <p:extLst>
-      <p:ext uri="{BB962C8B-B14F-4D97-AF65-F5344CB8AC3E}">
-        <p14:creationId xmlns:p14="http://schemas.microsoft.com/office/powerpoint/2010/main" val="3341824167"/>
-      </p:ext>
-    </p:extLst>
   </p:cSld>
   <p:clrMapOvr>
     <a:masterClrMapping/>
@@ -2319,13 +2134,7 @@
       </p:grpSpPr>
       <p:sp>
         <p:nvSpPr>
-          <p:cNvPr id="2" name="Дата 3">
-            <a:extLst>
-              <a:ext uri="{FF2B5EF4-FFF2-40B4-BE49-F238E27FC236}">
-                <a16:creationId xmlns:a16="http://schemas.microsoft.com/office/drawing/2014/main" id="{E08E3E2E-A76D-4803-B9D0-0E5302A231BD}"/>
-              </a:ext>
-            </a:extLst>
-          </p:cNvPr>
+          <p:cNvPr id="2" name="Дата 3"/>
           <p:cNvSpPr>
             <a:spLocks noGrp="1"/>
           </p:cNvSpPr>
@@ -2347,10 +2156,6 @@
             </a:pPr>
             <a:fld id="{6C98CCA0-FEC3-4C86-A525-600716BBA6DF}" type="datetimeFigureOut">
               <a:rPr lang="ru-RU"/>
-              <a:pPr>
-                <a:defRPr/>
-              </a:pPr>
-              <a:t>31.01.2025</a:t>
             </a:fld>
             <a:endParaRPr lang="ru-RU"/>
           </a:p>
@@ -2358,13 +2163,7 @@
       </p:sp>
       <p:sp>
         <p:nvSpPr>
-          <p:cNvPr id="3" name="Нижний колонтитул 4">
-            <a:extLst>
-              <a:ext uri="{FF2B5EF4-FFF2-40B4-BE49-F238E27FC236}">
-                <a16:creationId xmlns:a16="http://schemas.microsoft.com/office/drawing/2014/main" id="{170656C9-0BDA-4D89-9B83-EA3F75C97126}"/>
-              </a:ext>
-            </a:extLst>
-          </p:cNvPr>
+          <p:cNvPr id="3" name="Нижний колонтитул 4"/>
           <p:cNvSpPr>
             <a:spLocks noGrp="1"/>
           </p:cNvSpPr>
@@ -2390,13 +2189,7 @@
       </p:sp>
       <p:sp>
         <p:nvSpPr>
-          <p:cNvPr id="4" name="Номер слайда 5">
-            <a:extLst>
-              <a:ext uri="{FF2B5EF4-FFF2-40B4-BE49-F238E27FC236}">
-                <a16:creationId xmlns:a16="http://schemas.microsoft.com/office/drawing/2014/main" id="{E70E952E-6A53-45E7-9246-641D4FC82DC0}"/>
-              </a:ext>
-            </a:extLst>
-          </p:cNvPr>
+          <p:cNvPr id="4" name="Номер слайда 5"/>
           <p:cNvSpPr>
             <a:spLocks noGrp="1"/>
           </p:cNvSpPr>
@@ -2415,19 +2208,12 @@
           <a:p>
             <a:fld id="{97826A5D-D072-451D-A11D-907C24DD2C78}" type="slidenum">
               <a:rPr lang="ru-RU" altLang="ru-RU"/>
-              <a:pPr/>
-              <a:t>‹#›</a:t>
             </a:fld>
             <a:endParaRPr lang="ru-RU" altLang="ru-RU"/>
           </a:p>
         </p:txBody>
       </p:sp>
     </p:spTree>
-    <p:extLst>
-      <p:ext uri="{BB962C8B-B14F-4D97-AF65-F5344CB8AC3E}">
-        <p14:creationId xmlns:p14="http://schemas.microsoft.com/office/powerpoint/2010/main" val="272902728"/>
-      </p:ext>
-    </p:extLst>
   </p:cSld>
   <p:clrMapOvr>
     <a:masterClrMapping/>
@@ -2480,6 +2266,7 @@
               <a:rPr lang="ru-RU"/>
               <a:t>Образец заголовка</a:t>
             </a:r>
+            <a:endParaRPr lang="ru-RU"/>
           </a:p>
         </p:txBody>
       </p:sp>
@@ -2536,6 +2323,7 @@
               <a:rPr lang="ru-RU"/>
               <a:t>Образец текста</a:t>
             </a:r>
+            <a:endParaRPr lang="ru-RU"/>
           </a:p>
           <a:p>
             <a:pPr lvl="1"/>
@@ -2543,6 +2331,7 @@
               <a:rPr lang="ru-RU"/>
               <a:t>Второй уровень</a:t>
             </a:r>
+            <a:endParaRPr lang="ru-RU"/>
           </a:p>
           <a:p>
             <a:pPr lvl="2"/>
@@ -2550,6 +2339,7 @@
               <a:rPr lang="ru-RU"/>
               <a:t>Третий уровень</a:t>
             </a:r>
+            <a:endParaRPr lang="ru-RU"/>
           </a:p>
           <a:p>
             <a:pPr lvl="3"/>
@@ -2557,6 +2347,7 @@
               <a:rPr lang="ru-RU"/>
               <a:t>Четвертый уровень</a:t>
             </a:r>
+            <a:endParaRPr lang="ru-RU"/>
           </a:p>
           <a:p>
             <a:pPr lvl="4"/>
@@ -2564,6 +2355,7 @@
               <a:rPr lang="ru-RU"/>
               <a:t>Пятый уровень</a:t>
             </a:r>
+            <a:endParaRPr lang="ru-RU"/>
           </a:p>
         </p:txBody>
       </p:sp>
@@ -2629,18 +2421,13 @@
               <a:rPr lang="ru-RU"/>
               <a:t>Образец текста</a:t>
             </a:r>
-          </a:p>
-        </p:txBody>
-      </p:sp>
-      <p:sp>
-        <p:nvSpPr>
-          <p:cNvPr id="5" name="Дата 3">
-            <a:extLst>
-              <a:ext uri="{FF2B5EF4-FFF2-40B4-BE49-F238E27FC236}">
-                <a16:creationId xmlns:a16="http://schemas.microsoft.com/office/drawing/2014/main" id="{9936E1C1-49F8-44B7-B6B7-8494E00C6A75}"/>
-              </a:ext>
-            </a:extLst>
-          </p:cNvPr>
+            <a:endParaRPr lang="ru-RU"/>
+          </a:p>
+        </p:txBody>
+      </p:sp>
+      <p:sp>
+        <p:nvSpPr>
+          <p:cNvPr id="5" name="Дата 3"/>
           <p:cNvSpPr>
             <a:spLocks noGrp="1"/>
           </p:cNvSpPr>
@@ -2662,10 +2449,6 @@
             </a:pPr>
             <a:fld id="{D3C14C9F-601C-47D1-8F43-C244EB830F33}" type="datetimeFigureOut">
               <a:rPr lang="ru-RU"/>
-              <a:pPr>
-                <a:defRPr/>
-              </a:pPr>
-              <a:t>31.01.2025</a:t>
             </a:fld>
             <a:endParaRPr lang="ru-RU"/>
           </a:p>
@@ -2673,13 +2456,7 @@
       </p:sp>
       <p:sp>
         <p:nvSpPr>
-          <p:cNvPr id="6" name="Нижний колонтитул 4">
-            <a:extLst>
-              <a:ext uri="{FF2B5EF4-FFF2-40B4-BE49-F238E27FC236}">
-                <a16:creationId xmlns:a16="http://schemas.microsoft.com/office/drawing/2014/main" id="{DD7214E6-4FB6-4B17-825E-E33C658746C9}"/>
-              </a:ext>
-            </a:extLst>
-          </p:cNvPr>
+          <p:cNvPr id="6" name="Нижний колонтитул 4"/>
           <p:cNvSpPr>
             <a:spLocks noGrp="1"/>
           </p:cNvSpPr>
@@ -2705,13 +2482,7 @@
       </p:sp>
       <p:sp>
         <p:nvSpPr>
-          <p:cNvPr id="7" name="Номер слайда 5">
-            <a:extLst>
-              <a:ext uri="{FF2B5EF4-FFF2-40B4-BE49-F238E27FC236}">
-                <a16:creationId xmlns:a16="http://schemas.microsoft.com/office/drawing/2014/main" id="{3873FC0E-0A68-47DE-BDDF-37112B673BD4}"/>
-              </a:ext>
-            </a:extLst>
-          </p:cNvPr>
+          <p:cNvPr id="7" name="Номер слайда 5"/>
           <p:cNvSpPr>
             <a:spLocks noGrp="1"/>
           </p:cNvSpPr>
@@ -2730,19 +2501,12 @@
           <a:p>
             <a:fld id="{47483FB8-0F9E-4AA5-9953-58F9B5F2D7B1}" type="slidenum">
               <a:rPr lang="ru-RU" altLang="ru-RU"/>
-              <a:pPr/>
-              <a:t>‹#›</a:t>
             </a:fld>
             <a:endParaRPr lang="ru-RU" altLang="ru-RU"/>
           </a:p>
         </p:txBody>
       </p:sp>
     </p:spTree>
-    <p:extLst>
-      <p:ext uri="{BB962C8B-B14F-4D97-AF65-F5344CB8AC3E}">
-        <p14:creationId xmlns:p14="http://schemas.microsoft.com/office/powerpoint/2010/main" val="2495077103"/>
-      </p:ext>
-    </p:extLst>
   </p:cSld>
   <p:clrMapOvr>
     <a:masterClrMapping/>
@@ -2795,6 +2559,7 @@
               <a:rPr lang="ru-RU"/>
               <a:t>Образец заголовка</a:t>
             </a:r>
+            <a:endParaRPr lang="ru-RU"/>
           </a:p>
         </p:txBody>
       </p:sp>
@@ -2924,18 +2689,13 @@
               <a:rPr lang="ru-RU"/>
               <a:t>Образец текста</a:t>
             </a:r>
-          </a:p>
-        </p:txBody>
-      </p:sp>
-      <p:sp>
-        <p:nvSpPr>
-          <p:cNvPr id="5" name="Дата 3">
-            <a:extLst>
-              <a:ext uri="{FF2B5EF4-FFF2-40B4-BE49-F238E27FC236}">
-                <a16:creationId xmlns:a16="http://schemas.microsoft.com/office/drawing/2014/main" id="{89A17884-640C-423C-A59D-0204138259D2}"/>
-              </a:ext>
-            </a:extLst>
-          </p:cNvPr>
+            <a:endParaRPr lang="ru-RU"/>
+          </a:p>
+        </p:txBody>
+      </p:sp>
+      <p:sp>
+        <p:nvSpPr>
+          <p:cNvPr id="5" name="Дата 3"/>
           <p:cNvSpPr>
             <a:spLocks noGrp="1"/>
           </p:cNvSpPr>
@@ -2957,10 +2717,6 @@
             </a:pPr>
             <a:fld id="{BD727A50-A9FB-43D7-90F7-C3890325684D}" type="datetimeFigureOut">
               <a:rPr lang="ru-RU"/>
-              <a:pPr>
-                <a:defRPr/>
-              </a:pPr>
-              <a:t>31.01.2025</a:t>
             </a:fld>
             <a:endParaRPr lang="ru-RU"/>
           </a:p>
@@ -2968,13 +2724,7 @@
       </p:sp>
       <p:sp>
         <p:nvSpPr>
-          <p:cNvPr id="6" name="Нижний колонтитул 4">
-            <a:extLst>
-              <a:ext uri="{FF2B5EF4-FFF2-40B4-BE49-F238E27FC236}">
-                <a16:creationId xmlns:a16="http://schemas.microsoft.com/office/drawing/2014/main" id="{77DEEAF1-1B66-4EAA-9DAE-145D19FA0EC8}"/>
-              </a:ext>
-            </a:extLst>
-          </p:cNvPr>
+          <p:cNvPr id="6" name="Нижний колонтитул 4"/>
           <p:cNvSpPr>
             <a:spLocks noGrp="1"/>
           </p:cNvSpPr>
@@ -3000,13 +2750,7 @@
       </p:sp>
       <p:sp>
         <p:nvSpPr>
-          <p:cNvPr id="7" name="Номер слайда 5">
-            <a:extLst>
-              <a:ext uri="{FF2B5EF4-FFF2-40B4-BE49-F238E27FC236}">
-                <a16:creationId xmlns:a16="http://schemas.microsoft.com/office/drawing/2014/main" id="{9587E209-0C3D-4E9C-A56E-649A11FE1DFB}"/>
-              </a:ext>
-            </a:extLst>
-          </p:cNvPr>
+          <p:cNvPr id="7" name="Номер слайда 5"/>
           <p:cNvSpPr>
             <a:spLocks noGrp="1"/>
           </p:cNvSpPr>
@@ -3025,19 +2769,12 @@
           <a:p>
             <a:fld id="{08C1E576-F82D-4E5A-BFDC-339902B01FE8}" type="slidenum">
               <a:rPr lang="ru-RU" altLang="ru-RU"/>
-              <a:pPr/>
-              <a:t>‹#›</a:t>
             </a:fld>
             <a:endParaRPr lang="ru-RU" altLang="ru-RU"/>
           </a:p>
         </p:txBody>
       </p:sp>
     </p:spTree>
-    <p:extLst>
-      <p:ext uri="{BB962C8B-B14F-4D97-AF65-F5344CB8AC3E}">
-        <p14:creationId xmlns:p14="http://schemas.microsoft.com/office/powerpoint/2010/main" val="1036521895"/>
-      </p:ext>
-    </p:extLst>
   </p:cSld>
   <p:clrMapOvr>
     <a:masterClrMapping/>
@@ -3072,13 +2809,7 @@
       </p:grpSpPr>
       <p:sp>
         <p:nvSpPr>
-          <p:cNvPr id="1026" name="Заголовок 1">
-            <a:extLst>
-              <a:ext uri="{FF2B5EF4-FFF2-40B4-BE49-F238E27FC236}">
-                <a16:creationId xmlns:a16="http://schemas.microsoft.com/office/drawing/2014/main" id="{587CC6BB-14D3-40FB-8F48-BECE643140D4}"/>
-              </a:ext>
-            </a:extLst>
-          </p:cNvPr>
+          <p:cNvPr id="1026" name="Заголовок 1"/>
           <p:cNvSpPr>
             <a:spLocks noGrp="1"/>
           </p:cNvSpPr>
@@ -3119,11 +2850,7 @@
           </a:extLst>
         </p:spPr>
         <p:txBody>
-          <a:bodyPr vert="horz" wrap="square" lIns="91440" tIns="45720" rIns="91440" bIns="45720" numCol="1" anchor="ctr" anchorCtr="0" compatLnSpc="1">
-            <a:prstTxWarp prst="textNoShape">
-              <a:avLst/>
-            </a:prstTxWarp>
-          </a:bodyPr>
+          <a:bodyPr vert="horz" wrap="square" lIns="91440" tIns="45720" rIns="91440" bIns="45720" numCol="1" anchor="ctr" anchorCtr="0" compatLnSpc="1"/>
           <a:lstStyle/>
           <a:p>
             <a:pPr lvl="0"/>
@@ -3131,18 +2858,13 @@
               <a:rPr lang="ru-RU" altLang="ru-RU"/>
               <a:t>Образец заголовка</a:t>
             </a:r>
-          </a:p>
-        </p:txBody>
-      </p:sp>
-      <p:sp>
-        <p:nvSpPr>
-          <p:cNvPr id="1027" name="Текст 2">
-            <a:extLst>
-              <a:ext uri="{FF2B5EF4-FFF2-40B4-BE49-F238E27FC236}">
-                <a16:creationId xmlns:a16="http://schemas.microsoft.com/office/drawing/2014/main" id="{E2359348-165D-455C-B7F9-9730A4F78187}"/>
-              </a:ext>
-            </a:extLst>
-          </p:cNvPr>
+            <a:endParaRPr lang="ru-RU" altLang="ru-RU"/>
+          </a:p>
+        </p:txBody>
+      </p:sp>
+      <p:sp>
+        <p:nvSpPr>
+          <p:cNvPr id="1027" name="Текст 2"/>
           <p:cNvSpPr>
             <a:spLocks noGrp="1"/>
           </p:cNvSpPr>
@@ -3183,11 +2905,7 @@
           </a:extLst>
         </p:spPr>
         <p:txBody>
-          <a:bodyPr vert="horz" wrap="square" lIns="91440" tIns="45720" rIns="91440" bIns="45720" numCol="1" anchor="t" anchorCtr="0" compatLnSpc="1">
-            <a:prstTxWarp prst="textNoShape">
-              <a:avLst/>
-            </a:prstTxWarp>
-          </a:bodyPr>
+          <a:bodyPr vert="horz" wrap="square" lIns="91440" tIns="45720" rIns="91440" bIns="45720" numCol="1" anchor="t" anchorCtr="0" compatLnSpc="1"/>
           <a:lstStyle/>
           <a:p>
             <a:pPr lvl="0"/>
@@ -3195,6 +2913,7 @@
               <a:rPr lang="ru-RU" altLang="ru-RU"/>
               <a:t>Образец текста</a:t>
             </a:r>
+            <a:endParaRPr lang="ru-RU" altLang="ru-RU"/>
           </a:p>
           <a:p>
             <a:pPr lvl="1"/>
@@ -3202,6 +2921,7 @@
               <a:rPr lang="ru-RU" altLang="ru-RU"/>
               <a:t>Второй уровень</a:t>
             </a:r>
+            <a:endParaRPr lang="ru-RU" altLang="ru-RU"/>
           </a:p>
           <a:p>
             <a:pPr lvl="2"/>
@@ -3209,6 +2929,7 @@
               <a:rPr lang="ru-RU" altLang="ru-RU"/>
               <a:t>Третий уровень</a:t>
             </a:r>
+            <a:endParaRPr lang="ru-RU" altLang="ru-RU"/>
           </a:p>
           <a:p>
             <a:pPr lvl="3"/>
@@ -3216,6 +2937,7 @@
               <a:rPr lang="ru-RU" altLang="ru-RU"/>
               <a:t>Четвертый уровень</a:t>
             </a:r>
+            <a:endParaRPr lang="ru-RU" altLang="ru-RU"/>
           </a:p>
           <a:p>
             <a:pPr lvl="4"/>
@@ -3223,18 +2945,13 @@
               <a:rPr lang="ru-RU" altLang="ru-RU"/>
               <a:t>Пятый уровень</a:t>
             </a:r>
-          </a:p>
-        </p:txBody>
-      </p:sp>
-      <p:sp>
-        <p:nvSpPr>
-          <p:cNvPr id="4" name="Дата 3">
-            <a:extLst>
-              <a:ext uri="{FF2B5EF4-FFF2-40B4-BE49-F238E27FC236}">
-                <a16:creationId xmlns:a16="http://schemas.microsoft.com/office/drawing/2014/main" id="{E1525038-70D6-4CF1-A18D-10F6BC2651B8}"/>
-              </a:ext>
-            </a:extLst>
-          </p:cNvPr>
+            <a:endParaRPr lang="ru-RU" altLang="ru-RU"/>
+          </a:p>
+        </p:txBody>
+      </p:sp>
+      <p:sp>
+        <p:nvSpPr>
+          <p:cNvPr id="4" name="Дата 3"/>
           <p:cNvSpPr>
             <a:spLocks noGrp="1"/>
           </p:cNvSpPr>
@@ -3278,10 +2995,6 @@
             </a:pPr>
             <a:fld id="{40B2E142-AB09-4B6D-BC10-00B14B0BE356}" type="datetimeFigureOut">
               <a:rPr lang="ru-RU"/>
-              <a:pPr>
-                <a:defRPr/>
-              </a:pPr>
-              <a:t>31.01.2025</a:t>
             </a:fld>
             <a:endParaRPr lang="ru-RU"/>
           </a:p>
@@ -3289,13 +3002,7 @@
       </p:sp>
       <p:sp>
         <p:nvSpPr>
-          <p:cNvPr id="5" name="Нижний колонтитул 4">
-            <a:extLst>
-              <a:ext uri="{FF2B5EF4-FFF2-40B4-BE49-F238E27FC236}">
-                <a16:creationId xmlns:a16="http://schemas.microsoft.com/office/drawing/2014/main" id="{1736A035-0D57-4735-8BD3-723FA704DCFE}"/>
-              </a:ext>
-            </a:extLst>
-          </p:cNvPr>
+          <p:cNvPr id="5" name="Нижний колонтитул 4"/>
           <p:cNvSpPr>
             <a:spLocks noGrp="1"/>
           </p:cNvSpPr>
@@ -3343,13 +3050,7 @@
       </p:sp>
       <p:sp>
         <p:nvSpPr>
-          <p:cNvPr id="6" name="Номер слайда 5">
-            <a:extLst>
-              <a:ext uri="{FF2B5EF4-FFF2-40B4-BE49-F238E27FC236}">
-                <a16:creationId xmlns:a16="http://schemas.microsoft.com/office/drawing/2014/main" id="{19456180-9FC5-48DE-B47A-1A83F6743B3E}"/>
-              </a:ext>
-            </a:extLst>
-          </p:cNvPr>
+          <p:cNvPr id="6" name="Номер слайда 5"/>
           <p:cNvSpPr>
             <a:spLocks noGrp="1"/>
           </p:cNvSpPr>
@@ -3367,11 +3068,7 @@
           </a:prstGeom>
         </p:spPr>
         <p:txBody>
-          <a:bodyPr vert="horz" wrap="square" lIns="91440" tIns="45720" rIns="91440" bIns="45720" numCol="1" anchor="ctr" anchorCtr="0" compatLnSpc="1">
-            <a:prstTxWarp prst="textNoShape">
-              <a:avLst/>
-            </a:prstTxWarp>
-          </a:bodyPr>
+          <a:bodyPr vert="horz" wrap="square" lIns="91440" tIns="45720" rIns="91440" bIns="45720" numCol="1" anchor="ctr" anchorCtr="0" compatLnSpc="1"/>
           <a:lstStyle>
             <a:lvl1pPr algn="r" eaLnBrk="1" hangingPunct="1">
               <a:defRPr sz="1200">
@@ -3384,8 +3081,6 @@
           <a:p>
             <a:fld id="{616B680D-F966-4B43-8816-859FAE01D422}" type="slidenum">
               <a:rPr lang="ru-RU" altLang="ru-RU"/>
-              <a:pPr/>
-              <a:t>‹#›</a:t>
             </a:fld>
             <a:endParaRPr lang="ru-RU" altLang="ru-RU"/>
           </a:p>
@@ -3633,7 +3328,7 @@
         <a:spcBef>
           <a:spcPct val="20000"/>
         </a:spcBef>
-        <a:buFont typeface="Arial" pitchFamily="34" charset="0"/>
+        <a:buFont typeface="Arial" panose="020B0604020202020204" pitchFamily="34" charset="0"/>
         <a:buChar char="•"/>
         <a:defRPr sz="2000" kern="1200">
           <a:solidFill>
@@ -3648,7 +3343,7 @@
         <a:spcBef>
           <a:spcPct val="20000"/>
         </a:spcBef>
-        <a:buFont typeface="Arial" pitchFamily="34" charset="0"/>
+        <a:buFont typeface="Arial" panose="020B0604020202020204" pitchFamily="34" charset="0"/>
         <a:buChar char="•"/>
         <a:defRPr sz="2000" kern="1200">
           <a:solidFill>
@@ -3663,7 +3358,7 @@
         <a:spcBef>
           <a:spcPct val="20000"/>
         </a:spcBef>
-        <a:buFont typeface="Arial" pitchFamily="34" charset="0"/>
+        <a:buFont typeface="Arial" panose="020B0604020202020204" pitchFamily="34" charset="0"/>
         <a:buChar char="•"/>
         <a:defRPr sz="2000" kern="1200">
           <a:solidFill>
@@ -3678,7 +3373,7 @@
         <a:spcBef>
           <a:spcPct val="20000"/>
         </a:spcBef>
-        <a:buFont typeface="Arial" pitchFamily="34" charset="0"/>
+        <a:buFont typeface="Arial" panose="020B0604020202020204" pitchFamily="34" charset="0"/>
         <a:buChar char="•"/>
         <a:defRPr sz="2000" kern="1200">
           <a:solidFill>
@@ -3808,13 +3503,7 @@
       </p:grpSpPr>
       <p:sp>
         <p:nvSpPr>
-          <p:cNvPr id="2051" name="TextBox 3">
-            <a:extLst>
-              <a:ext uri="{FF2B5EF4-FFF2-40B4-BE49-F238E27FC236}">
-                <a16:creationId xmlns:a16="http://schemas.microsoft.com/office/drawing/2014/main" id="{85B9A790-834B-4735-B3D4-3AAF6D3811E7}"/>
-              </a:ext>
-            </a:extLst>
-          </p:cNvPr>
+          <p:cNvPr id="2051" name="TextBox 3"/>
           <p:cNvSpPr txBox="1">
             <a:spLocks noChangeArrowheads="1"/>
           </p:cNvSpPr>
@@ -4033,13 +3722,7 @@
       </p:sp>
       <p:sp>
         <p:nvSpPr>
-          <p:cNvPr id="2053" name="TextBox 5">
-            <a:extLst>
-              <a:ext uri="{FF2B5EF4-FFF2-40B4-BE49-F238E27FC236}">
-                <a16:creationId xmlns:a16="http://schemas.microsoft.com/office/drawing/2014/main" id="{1245D461-7657-47D7-8DB4-69D8B8F9CD82}"/>
-              </a:ext>
-            </a:extLst>
-          </p:cNvPr>
+          <p:cNvPr id="2053" name="TextBox 5"/>
           <p:cNvSpPr txBox="1">
             <a:spLocks noChangeArrowheads="1"/>
           </p:cNvSpPr>
@@ -4199,13 +3882,7 @@
       </p:sp>
       <p:sp>
         <p:nvSpPr>
-          <p:cNvPr id="2054" name="TextBox 6">
-            <a:extLst>
-              <a:ext uri="{FF2B5EF4-FFF2-40B4-BE49-F238E27FC236}">
-                <a16:creationId xmlns:a16="http://schemas.microsoft.com/office/drawing/2014/main" id="{D599EB77-882E-4290-9883-33619219BE08}"/>
-              </a:ext>
-            </a:extLst>
-          </p:cNvPr>
+          <p:cNvPr id="2054" name="TextBox 6"/>
           <p:cNvSpPr txBox="1">
             <a:spLocks noChangeArrowheads="1"/>
           </p:cNvSpPr>
@@ -4412,20 +4089,14 @@
       </p:sp>
       <p:pic>
         <p:nvPicPr>
-          <p:cNvPr id="2055" name="Рисунок 8">
-            <a:extLst>
-              <a:ext uri="{FF2B5EF4-FFF2-40B4-BE49-F238E27FC236}">
-                <a16:creationId xmlns:a16="http://schemas.microsoft.com/office/drawing/2014/main" id="{5BDE7B62-0EF4-49DB-80BF-EE6D825FF3F3}"/>
-              </a:ext>
-            </a:extLst>
-          </p:cNvPr>
+          <p:cNvPr id="2055" name="Рисунок 8"/>
           <p:cNvPicPr>
             <a:picLocks noChangeAspect="1" noChangeArrowheads="1"/>
           </p:cNvPicPr>
           <p:nvPr/>
         </p:nvPicPr>
         <p:blipFill>
-          <a:blip r:embed="rId2" cstate="hqprint">
+          <a:blip r:embed="rId1" cstate="hqprint">
             <a:extLst>
               <a:ext uri="{28A0092B-C50C-407E-A947-70E740481C1C}">
                 <a14:useLocalDpi xmlns:a14="http://schemas.microsoft.com/office/drawing/2010/main" val="0"/>
@@ -4472,13 +4143,7 @@
       </p:pic>
       <p:sp>
         <p:nvSpPr>
-          <p:cNvPr id="2" name="TextBox 2">
-            <a:extLst>
-              <a:ext uri="{FF2B5EF4-FFF2-40B4-BE49-F238E27FC236}">
-                <a16:creationId xmlns:a16="http://schemas.microsoft.com/office/drawing/2014/main" id="{7789420E-F1F8-F4C5-F265-160D66D55736}"/>
-              </a:ext>
-            </a:extLst>
-          </p:cNvPr>
+          <p:cNvPr id="2" name="TextBox 2"/>
           <p:cNvSpPr txBox="1">
             <a:spLocks noChangeArrowheads="1"/>
           </p:cNvSpPr>
@@ -4645,13 +4310,7 @@
       </p:sp>
       <p:sp>
         <p:nvSpPr>
-          <p:cNvPr id="3" name="TextBox 4">
-            <a:extLst>
-              <a:ext uri="{FF2B5EF4-FFF2-40B4-BE49-F238E27FC236}">
-                <a16:creationId xmlns:a16="http://schemas.microsoft.com/office/drawing/2014/main" id="{C195FD4E-7D45-D7EF-582C-EB6B7810DF9C}"/>
-              </a:ext>
-            </a:extLst>
-          </p:cNvPr>
+          <p:cNvPr id="3" name="TextBox 4"/>
           <p:cNvSpPr txBox="1">
             <a:spLocks noChangeArrowheads="1"/>
           </p:cNvSpPr>
@@ -4846,6 +4505,7 @@
               <a:rPr lang="ru-RU" sz="1600" dirty="0" smtClean="0"/>
               <a:t>университет</a:t>
             </a:r>
+            <a:endParaRPr lang="ru-RU" sz="1600" dirty="0" smtClean="0"/>
           </a:p>
           <a:p>
             <a:pPr eaLnBrk="1" hangingPunct="1"/>
@@ -4857,6 +4517,7 @@
               <a:rPr lang="ru-RU" sz="1600" dirty="0"/>
               <a:t>Кандалакшский государственный заповедник</a:t>
             </a:r>
+            <a:endParaRPr lang="ru-RU" sz="1600" dirty="0"/>
           </a:p>
           <a:p>
             <a:pPr eaLnBrk="1" hangingPunct="1"/>
@@ -4865,11 +4526,6 @@
         </p:txBody>
       </p:sp>
     </p:spTree>
-    <p:extLst>
-      <p:ext uri="{BB962C8B-B14F-4D97-AF65-F5344CB8AC3E}">
-        <p14:creationId xmlns:p14="http://schemas.microsoft.com/office/powerpoint/2010/main" val="3931165004"/>
-      </p:ext>
-    </p:extLst>
   </p:cSld>
   <p:clrMapOvr>
     <a:masterClrMapping/>
@@ -4903,7 +4559,7 @@
           <p:nvPr/>
         </p:nvPicPr>
         <p:blipFill>
-          <a:blip r:embed="rId2">
+          <a:blip r:embed="rId1">
             <a:extLst>
               <a:ext uri="{28A0092B-C50C-407E-A947-70E740481C1C}">
                 <a14:useLocalDpi xmlns:a14="http://schemas.microsoft.com/office/drawing/2010/main" val="0"/>
@@ -4933,7 +4589,7 @@
           <p:nvPr/>
         </p:nvPicPr>
         <p:blipFill>
-          <a:blip r:embed="rId3">
+          <a:blip r:embed="rId2">
             <a:extLst>
               <a:ext uri="{28A0092B-C50C-407E-A947-70E740481C1C}">
                 <a14:useLocalDpi xmlns:a14="http://schemas.microsoft.com/office/drawing/2010/main" val="0"/>
@@ -4963,7 +4619,7 @@
         <p:spPr>
           <a:xfrm>
             <a:off x="4797896" y="4515966"/>
-            <a:ext cx="3456384" cy="461665"/>
+            <a:ext cx="3456384" cy="460375"/>
           </a:xfrm>
           <a:prstGeom prst="rect">
             <a:avLst/>
@@ -4982,8 +4638,9 @@
             </a:r>
             <a:r>
               <a:rPr lang="ru-RU" sz="1200" dirty="0"/>
-              <a:t>пеллет у двух видов моллюсков от типа субстрата в экспериментальных условиях. </a:t>
-            </a:r>
+              <a:t>пеллет у двух видов моллюсков, кормившихся на двух типах субстратов.</a:t>
+            </a:r>
+            <a:endParaRPr lang="ru-RU" sz="1200" dirty="0"/>
           </a:p>
         </p:txBody>
       </p:sp>
@@ -5017,6 +4674,7 @@
               <a:rPr lang="ru-RU" sz="1200" dirty="0"/>
               <a:t>двух видов литторин по литорали. </a:t>
             </a:r>
+            <a:endParaRPr lang="ru-RU" sz="1200" dirty="0"/>
           </a:p>
         </p:txBody>
       </p:sp>
@@ -5306,7 +4964,10 @@
       </a:bgFillStyleLst>
     </a:fmtScheme>
   </a:themeElements>
-  <a:objectDefaults/>
-  <a:extraClrSchemeLst/>
+  <a:extLst>
+    <a:ext uri="{05A4C25C-085E-4340-85A3-A5531E510DB2}">
+      <thm15:themeFamily xmlns:thm15="http://schemas.microsoft.com/office/thememl/2012/main" name="Office Theme" id="{62F939B6-93AF-4DB8-9C6B-D6C7DFDC589F}" vid="{4A3C46E8-61CC-4603-A589-7422A47A8E4A}"/>
+    </a:ext>
+  </a:extLst>
 </a:theme>
 </file>
--- a/Sasha_Britikov/Final_version/Бритиков_Э03.pptx
+++ b/Sasha_Britikov/Final_version/Бритиков_Э03.pptx
@@ -5,8 +5,8 @@
     <p:sldMasterId id="2147483648" r:id="rId1"/>
   </p:sldMasterIdLst>
   <p:sldIdLst>
-    <p:sldId id="259" r:id="rId3"/>
-    <p:sldId id="258" r:id="rId4"/>
+    <p:sldId id="259" r:id="rId2"/>
+    <p:sldId id="258" r:id="rId3"/>
   </p:sldIdLst>
   <p:sldSz cx="9144000" cy="5143500" type="screen16x9"/>
   <p:notesSz cx="6858000" cy="9144000"/>
@@ -201,7 +201,6 @@
               <a:rPr lang="ru-RU"/>
               <a:t>Образец заголовка</a:t>
             </a:r>
-            <a:endParaRPr lang="ru-RU"/>
           </a:p>
         </p:txBody>
       </p:sp>
@@ -320,7 +319,6 @@
               <a:rPr lang="ru-RU"/>
               <a:t>Образец подзаголовка</a:t>
             </a:r>
-            <a:endParaRPr lang="ru-RU"/>
           </a:p>
         </p:txBody>
       </p:sp>
@@ -348,6 +346,7 @@
             </a:pPr>
             <a:fld id="{927D2374-9057-43EF-BB73-5F1D63DCAE13}" type="datetimeFigureOut">
               <a:rPr lang="ru-RU"/>
+              <a:t>31.01.2025</a:t>
             </a:fld>
             <a:endParaRPr lang="ru-RU"/>
           </a:p>
@@ -400,6 +399,7 @@
           <a:p>
             <a:fld id="{07888BBD-D854-4A20-8754-D8D892468CDC}" type="slidenum">
               <a:rPr lang="ru-RU" altLang="ru-RU"/>
+              <a:t>‹#›</a:t>
             </a:fld>
             <a:endParaRPr lang="ru-RU" altLang="ru-RU"/>
           </a:p>
@@ -449,7 +449,6 @@
               <a:rPr lang="ru-RU"/>
               <a:t>Образец заголовка</a:t>
             </a:r>
-            <a:endParaRPr lang="ru-RU"/>
           </a:p>
         </p:txBody>
       </p:sp>
@@ -473,7 +472,6 @@
               <a:rPr lang="ru-RU"/>
               <a:t>Образец текста</a:t>
             </a:r>
-            <a:endParaRPr lang="ru-RU"/>
           </a:p>
           <a:p>
             <a:pPr lvl="1"/>
@@ -481,7 +479,6 @@
               <a:rPr lang="ru-RU"/>
               <a:t>Второй уровень</a:t>
             </a:r>
-            <a:endParaRPr lang="ru-RU"/>
           </a:p>
           <a:p>
             <a:pPr lvl="2"/>
@@ -489,7 +486,6 @@
               <a:rPr lang="ru-RU"/>
               <a:t>Третий уровень</a:t>
             </a:r>
-            <a:endParaRPr lang="ru-RU"/>
           </a:p>
           <a:p>
             <a:pPr lvl="3"/>
@@ -497,7 +493,6 @@
               <a:rPr lang="ru-RU"/>
               <a:t>Четвертый уровень</a:t>
             </a:r>
-            <a:endParaRPr lang="ru-RU"/>
           </a:p>
           <a:p>
             <a:pPr lvl="4"/>
@@ -505,7 +500,6 @@
               <a:rPr lang="ru-RU"/>
               <a:t>Пятый уровень</a:t>
             </a:r>
-            <a:endParaRPr lang="ru-RU"/>
           </a:p>
         </p:txBody>
       </p:sp>
@@ -533,6 +527,7 @@
             </a:pPr>
             <a:fld id="{81A025A3-09BC-483B-B1C2-F8B2CB03554A}" type="datetimeFigureOut">
               <a:rPr lang="ru-RU"/>
+              <a:t>31.01.2025</a:t>
             </a:fld>
             <a:endParaRPr lang="ru-RU"/>
           </a:p>
@@ -585,6 +580,7 @@
           <a:p>
             <a:fld id="{07CEAA42-19F7-4FB4-8BD2-082323836C47}" type="slidenum">
               <a:rPr lang="ru-RU" altLang="ru-RU"/>
+              <a:t>‹#›</a:t>
             </a:fld>
             <a:endParaRPr lang="ru-RU" altLang="ru-RU"/>
           </a:p>
@@ -639,7 +635,6 @@
               <a:rPr lang="ru-RU"/>
               <a:t>Образец заголовка</a:t>
             </a:r>
-            <a:endParaRPr lang="ru-RU"/>
           </a:p>
         </p:txBody>
       </p:sp>
@@ -668,7 +663,6 @@
               <a:rPr lang="ru-RU"/>
               <a:t>Образец текста</a:t>
             </a:r>
-            <a:endParaRPr lang="ru-RU"/>
           </a:p>
           <a:p>
             <a:pPr lvl="1"/>
@@ -676,7 +670,6 @@
               <a:rPr lang="ru-RU"/>
               <a:t>Второй уровень</a:t>
             </a:r>
-            <a:endParaRPr lang="ru-RU"/>
           </a:p>
           <a:p>
             <a:pPr lvl="2"/>
@@ -684,7 +677,6 @@
               <a:rPr lang="ru-RU"/>
               <a:t>Третий уровень</a:t>
             </a:r>
-            <a:endParaRPr lang="ru-RU"/>
           </a:p>
           <a:p>
             <a:pPr lvl="3"/>
@@ -692,7 +684,6 @@
               <a:rPr lang="ru-RU"/>
               <a:t>Четвертый уровень</a:t>
             </a:r>
-            <a:endParaRPr lang="ru-RU"/>
           </a:p>
           <a:p>
             <a:pPr lvl="4"/>
@@ -700,7 +691,6 @@
               <a:rPr lang="ru-RU"/>
               <a:t>Пятый уровень</a:t>
             </a:r>
-            <a:endParaRPr lang="ru-RU"/>
           </a:p>
         </p:txBody>
       </p:sp>
@@ -728,6 +718,7 @@
             </a:pPr>
             <a:fld id="{143B997D-9322-48BE-A5CE-78828DC097EC}" type="datetimeFigureOut">
               <a:rPr lang="ru-RU"/>
+              <a:t>31.01.2025</a:t>
             </a:fld>
             <a:endParaRPr lang="ru-RU"/>
           </a:p>
@@ -780,6 +771,7 @@
           <a:p>
             <a:fld id="{63091139-8A09-4E4F-8FA8-88915146A407}" type="slidenum">
               <a:rPr lang="ru-RU" altLang="ru-RU"/>
+              <a:t>‹#›</a:t>
             </a:fld>
             <a:endParaRPr lang="ru-RU" altLang="ru-RU"/>
           </a:p>
@@ -829,7 +821,6 @@
               <a:rPr lang="ru-RU"/>
               <a:t>Образец заголовка</a:t>
             </a:r>
-            <a:endParaRPr lang="ru-RU"/>
           </a:p>
         </p:txBody>
       </p:sp>
@@ -853,7 +844,6 @@
               <a:rPr lang="ru-RU"/>
               <a:t>Образец текста</a:t>
             </a:r>
-            <a:endParaRPr lang="ru-RU"/>
           </a:p>
           <a:p>
             <a:pPr lvl="1"/>
@@ -861,7 +851,6 @@
               <a:rPr lang="ru-RU"/>
               <a:t>Второй уровень</a:t>
             </a:r>
-            <a:endParaRPr lang="ru-RU"/>
           </a:p>
           <a:p>
             <a:pPr lvl="2"/>
@@ -869,7 +858,6 @@
               <a:rPr lang="ru-RU"/>
               <a:t>Третий уровень</a:t>
             </a:r>
-            <a:endParaRPr lang="ru-RU"/>
           </a:p>
           <a:p>
             <a:pPr lvl="3"/>
@@ -877,7 +865,6 @@
               <a:rPr lang="ru-RU"/>
               <a:t>Четвертый уровень</a:t>
             </a:r>
-            <a:endParaRPr lang="ru-RU"/>
           </a:p>
           <a:p>
             <a:pPr lvl="4"/>
@@ -885,7 +872,6 @@
               <a:rPr lang="ru-RU"/>
               <a:t>Пятый уровень</a:t>
             </a:r>
-            <a:endParaRPr lang="ru-RU"/>
           </a:p>
         </p:txBody>
       </p:sp>
@@ -913,6 +899,7 @@
             </a:pPr>
             <a:fld id="{7059D929-2DE5-40F4-9C9C-A001FA790328}" type="datetimeFigureOut">
               <a:rPr lang="ru-RU"/>
+              <a:t>31.01.2025</a:t>
             </a:fld>
             <a:endParaRPr lang="ru-RU"/>
           </a:p>
@@ -965,6 +952,7 @@
           <a:p>
             <a:fld id="{8E2F39B4-B50F-4891-8466-E3A297282BD2}" type="slidenum">
               <a:rPr lang="ru-RU" altLang="ru-RU"/>
+              <a:t>‹#›</a:t>
             </a:fld>
             <a:endParaRPr lang="ru-RU" altLang="ru-RU"/>
           </a:p>
@@ -1023,7 +1011,6 @@
               <a:rPr lang="ru-RU"/>
               <a:t>Образец заголовка</a:t>
             </a:r>
-            <a:endParaRPr lang="ru-RU"/>
           </a:p>
         </p:txBody>
       </p:sp>
@@ -1143,7 +1130,6 @@
               <a:rPr lang="ru-RU"/>
               <a:t>Образец текста</a:t>
             </a:r>
-            <a:endParaRPr lang="ru-RU"/>
           </a:p>
         </p:txBody>
       </p:sp>
@@ -1171,6 +1157,7 @@
             </a:pPr>
             <a:fld id="{E26F32F6-D117-417D-A730-74676EA5314A}" type="datetimeFigureOut">
               <a:rPr lang="ru-RU"/>
+              <a:t>31.01.2025</a:t>
             </a:fld>
             <a:endParaRPr lang="ru-RU"/>
           </a:p>
@@ -1223,6 +1210,7 @@
           <a:p>
             <a:fld id="{506D7860-5396-4238-98D1-C36AA0A08146}" type="slidenum">
               <a:rPr lang="ru-RU" altLang="ru-RU"/>
+              <a:t>‹#›</a:t>
             </a:fld>
             <a:endParaRPr lang="ru-RU" altLang="ru-RU"/>
           </a:p>
@@ -1272,7 +1260,6 @@
               <a:rPr lang="ru-RU"/>
               <a:t>Образец заголовка</a:t>
             </a:r>
-            <a:endParaRPr lang="ru-RU"/>
           </a:p>
         </p:txBody>
       </p:sp>
@@ -1329,7 +1316,6 @@
               <a:rPr lang="ru-RU"/>
               <a:t>Образец текста</a:t>
             </a:r>
-            <a:endParaRPr lang="ru-RU"/>
           </a:p>
           <a:p>
             <a:pPr lvl="1"/>
@@ -1337,7 +1323,6 @@
               <a:rPr lang="ru-RU"/>
               <a:t>Второй уровень</a:t>
             </a:r>
-            <a:endParaRPr lang="ru-RU"/>
           </a:p>
           <a:p>
             <a:pPr lvl="2"/>
@@ -1345,7 +1330,6 @@
               <a:rPr lang="ru-RU"/>
               <a:t>Третий уровень</a:t>
             </a:r>
-            <a:endParaRPr lang="ru-RU"/>
           </a:p>
           <a:p>
             <a:pPr lvl="3"/>
@@ -1353,7 +1337,6 @@
               <a:rPr lang="ru-RU"/>
               <a:t>Четвертый уровень</a:t>
             </a:r>
-            <a:endParaRPr lang="ru-RU"/>
           </a:p>
           <a:p>
             <a:pPr lvl="4"/>
@@ -1361,7 +1344,6 @@
               <a:rPr lang="ru-RU"/>
               <a:t>Пятый уровень</a:t>
             </a:r>
-            <a:endParaRPr lang="ru-RU"/>
           </a:p>
         </p:txBody>
       </p:sp>
@@ -1418,7 +1400,6 @@
               <a:rPr lang="ru-RU"/>
               <a:t>Образец текста</a:t>
             </a:r>
-            <a:endParaRPr lang="ru-RU"/>
           </a:p>
           <a:p>
             <a:pPr lvl="1"/>
@@ -1426,7 +1407,6 @@
               <a:rPr lang="ru-RU"/>
               <a:t>Второй уровень</a:t>
             </a:r>
-            <a:endParaRPr lang="ru-RU"/>
           </a:p>
           <a:p>
             <a:pPr lvl="2"/>
@@ -1434,7 +1414,6 @@
               <a:rPr lang="ru-RU"/>
               <a:t>Третий уровень</a:t>
             </a:r>
-            <a:endParaRPr lang="ru-RU"/>
           </a:p>
           <a:p>
             <a:pPr lvl="3"/>
@@ -1442,7 +1421,6 @@
               <a:rPr lang="ru-RU"/>
               <a:t>Четвертый уровень</a:t>
             </a:r>
-            <a:endParaRPr lang="ru-RU"/>
           </a:p>
           <a:p>
             <a:pPr lvl="4"/>
@@ -1450,7 +1428,6 @@
               <a:rPr lang="ru-RU"/>
               <a:t>Пятый уровень</a:t>
             </a:r>
-            <a:endParaRPr lang="ru-RU"/>
           </a:p>
         </p:txBody>
       </p:sp>
@@ -1478,6 +1455,7 @@
             </a:pPr>
             <a:fld id="{F45EF991-8748-476D-B54A-2FDBC70E11FB}" type="datetimeFigureOut">
               <a:rPr lang="ru-RU"/>
+              <a:t>31.01.2025</a:t>
             </a:fld>
             <a:endParaRPr lang="ru-RU"/>
           </a:p>
@@ -1530,6 +1508,7 @@
           <a:p>
             <a:fld id="{0C0BE4E3-A5FC-4F66-B3F7-5E58F36262CA}" type="slidenum">
               <a:rPr lang="ru-RU" altLang="ru-RU"/>
+              <a:t>‹#›</a:t>
             </a:fld>
             <a:endParaRPr lang="ru-RU" altLang="ru-RU"/>
           </a:p>
@@ -1583,7 +1562,6 @@
               <a:rPr lang="ru-RU"/>
               <a:t>Образец заголовка</a:t>
             </a:r>
-            <a:endParaRPr lang="ru-RU"/>
           </a:p>
         </p:txBody>
       </p:sp>
@@ -1649,7 +1627,6 @@
               <a:rPr lang="ru-RU"/>
               <a:t>Образец текста</a:t>
             </a:r>
-            <a:endParaRPr lang="ru-RU"/>
           </a:p>
         </p:txBody>
       </p:sp>
@@ -1706,7 +1683,6 @@
               <a:rPr lang="ru-RU"/>
               <a:t>Образец текста</a:t>
             </a:r>
-            <a:endParaRPr lang="ru-RU"/>
           </a:p>
           <a:p>
             <a:pPr lvl="1"/>
@@ -1714,7 +1690,6 @@
               <a:rPr lang="ru-RU"/>
               <a:t>Второй уровень</a:t>
             </a:r>
-            <a:endParaRPr lang="ru-RU"/>
           </a:p>
           <a:p>
             <a:pPr lvl="2"/>
@@ -1722,7 +1697,6 @@
               <a:rPr lang="ru-RU"/>
               <a:t>Третий уровень</a:t>
             </a:r>
-            <a:endParaRPr lang="ru-RU"/>
           </a:p>
           <a:p>
             <a:pPr lvl="3"/>
@@ -1730,7 +1704,6 @@
               <a:rPr lang="ru-RU"/>
               <a:t>Четвертый уровень</a:t>
             </a:r>
-            <a:endParaRPr lang="ru-RU"/>
           </a:p>
           <a:p>
             <a:pPr lvl="4"/>
@@ -1738,7 +1711,6 @@
               <a:rPr lang="ru-RU"/>
               <a:t>Пятый уровень</a:t>
             </a:r>
-            <a:endParaRPr lang="ru-RU"/>
           </a:p>
         </p:txBody>
       </p:sp>
@@ -1804,7 +1776,6 @@
               <a:rPr lang="ru-RU"/>
               <a:t>Образец текста</a:t>
             </a:r>
-            <a:endParaRPr lang="ru-RU"/>
           </a:p>
         </p:txBody>
       </p:sp>
@@ -1861,7 +1832,6 @@
               <a:rPr lang="ru-RU"/>
               <a:t>Образец текста</a:t>
             </a:r>
-            <a:endParaRPr lang="ru-RU"/>
           </a:p>
           <a:p>
             <a:pPr lvl="1"/>
@@ -1869,7 +1839,6 @@
               <a:rPr lang="ru-RU"/>
               <a:t>Второй уровень</a:t>
             </a:r>
-            <a:endParaRPr lang="ru-RU"/>
           </a:p>
           <a:p>
             <a:pPr lvl="2"/>
@@ -1877,7 +1846,6 @@
               <a:rPr lang="ru-RU"/>
               <a:t>Третий уровень</a:t>
             </a:r>
-            <a:endParaRPr lang="ru-RU"/>
           </a:p>
           <a:p>
             <a:pPr lvl="3"/>
@@ -1885,7 +1853,6 @@
               <a:rPr lang="ru-RU"/>
               <a:t>Четвертый уровень</a:t>
             </a:r>
-            <a:endParaRPr lang="ru-RU"/>
           </a:p>
           <a:p>
             <a:pPr lvl="4"/>
@@ -1893,7 +1860,6 @@
               <a:rPr lang="ru-RU"/>
               <a:t>Пятый уровень</a:t>
             </a:r>
-            <a:endParaRPr lang="ru-RU"/>
           </a:p>
         </p:txBody>
       </p:sp>
@@ -1921,6 +1887,7 @@
             </a:pPr>
             <a:fld id="{7A844047-B562-448A-9127-8445D3249162}" type="datetimeFigureOut">
               <a:rPr lang="ru-RU"/>
+              <a:t>31.01.2025</a:t>
             </a:fld>
             <a:endParaRPr lang="ru-RU"/>
           </a:p>
@@ -1973,6 +1940,7 @@
           <a:p>
             <a:fld id="{4537B17A-4386-4DF9-8CE0-A5C65E4A9421}" type="slidenum">
               <a:rPr lang="ru-RU" altLang="ru-RU"/>
+              <a:t>‹#›</a:t>
             </a:fld>
             <a:endParaRPr lang="ru-RU" altLang="ru-RU"/>
           </a:p>
@@ -2022,7 +1990,6 @@
               <a:rPr lang="ru-RU"/>
               <a:t>Образец заголовка</a:t>
             </a:r>
-            <a:endParaRPr lang="ru-RU"/>
           </a:p>
         </p:txBody>
       </p:sp>
@@ -2050,6 +2017,7 @@
             </a:pPr>
             <a:fld id="{79AEBDB0-DA3E-4663-A518-6E31BE393200}" type="datetimeFigureOut">
               <a:rPr lang="ru-RU"/>
+              <a:t>31.01.2025</a:t>
             </a:fld>
             <a:endParaRPr lang="ru-RU"/>
           </a:p>
@@ -2102,6 +2070,7 @@
           <a:p>
             <a:fld id="{43BCC82F-C8A3-489D-B2E1-378E4A685053}" type="slidenum">
               <a:rPr lang="ru-RU" altLang="ru-RU"/>
+              <a:t>‹#›</a:t>
             </a:fld>
             <a:endParaRPr lang="ru-RU" altLang="ru-RU"/>
           </a:p>
@@ -2156,6 +2125,7 @@
             </a:pPr>
             <a:fld id="{6C98CCA0-FEC3-4C86-A525-600716BBA6DF}" type="datetimeFigureOut">
               <a:rPr lang="ru-RU"/>
+              <a:t>31.01.2025</a:t>
             </a:fld>
             <a:endParaRPr lang="ru-RU"/>
           </a:p>
@@ -2208,6 +2178,7 @@
           <a:p>
             <a:fld id="{97826A5D-D072-451D-A11D-907C24DD2C78}" type="slidenum">
               <a:rPr lang="ru-RU" altLang="ru-RU"/>
+              <a:t>‹#›</a:t>
             </a:fld>
             <a:endParaRPr lang="ru-RU" altLang="ru-RU"/>
           </a:p>
@@ -2266,7 +2237,6 @@
               <a:rPr lang="ru-RU"/>
               <a:t>Образец заголовка</a:t>
             </a:r>
-            <a:endParaRPr lang="ru-RU"/>
           </a:p>
         </p:txBody>
       </p:sp>
@@ -2323,7 +2293,6 @@
               <a:rPr lang="ru-RU"/>
               <a:t>Образец текста</a:t>
             </a:r>
-            <a:endParaRPr lang="ru-RU"/>
           </a:p>
           <a:p>
             <a:pPr lvl="1"/>
@@ -2331,7 +2300,6 @@
               <a:rPr lang="ru-RU"/>
               <a:t>Второй уровень</a:t>
             </a:r>
-            <a:endParaRPr lang="ru-RU"/>
           </a:p>
           <a:p>
             <a:pPr lvl="2"/>
@@ -2339,7 +2307,6 @@
               <a:rPr lang="ru-RU"/>
               <a:t>Третий уровень</a:t>
             </a:r>
-            <a:endParaRPr lang="ru-RU"/>
           </a:p>
           <a:p>
             <a:pPr lvl="3"/>
@@ -2347,7 +2314,6 @@
               <a:rPr lang="ru-RU"/>
               <a:t>Четвертый уровень</a:t>
             </a:r>
-            <a:endParaRPr lang="ru-RU"/>
           </a:p>
           <a:p>
             <a:pPr lvl="4"/>
@@ -2355,7 +2321,6 @@
               <a:rPr lang="ru-RU"/>
               <a:t>Пятый уровень</a:t>
             </a:r>
-            <a:endParaRPr lang="ru-RU"/>
           </a:p>
         </p:txBody>
       </p:sp>
@@ -2421,7 +2386,6 @@
               <a:rPr lang="ru-RU"/>
               <a:t>Образец текста</a:t>
             </a:r>
-            <a:endParaRPr lang="ru-RU"/>
           </a:p>
         </p:txBody>
       </p:sp>
@@ -2449,6 +2413,7 @@
             </a:pPr>
             <a:fld id="{D3C14C9F-601C-47D1-8F43-C244EB830F33}" type="datetimeFigureOut">
               <a:rPr lang="ru-RU"/>
+              <a:t>31.01.2025</a:t>
             </a:fld>
             <a:endParaRPr lang="ru-RU"/>
           </a:p>
@@ -2501,6 +2466,7 @@
           <a:p>
             <a:fld id="{47483FB8-0F9E-4AA5-9953-58F9B5F2D7B1}" type="slidenum">
               <a:rPr lang="ru-RU" altLang="ru-RU"/>
+              <a:t>‹#›</a:t>
             </a:fld>
             <a:endParaRPr lang="ru-RU" altLang="ru-RU"/>
           </a:p>
@@ -2559,7 +2525,6 @@
               <a:rPr lang="ru-RU"/>
               <a:t>Образец заголовка</a:t>
             </a:r>
-            <a:endParaRPr lang="ru-RU"/>
           </a:p>
         </p:txBody>
       </p:sp>
@@ -2689,7 +2654,6 @@
               <a:rPr lang="ru-RU"/>
               <a:t>Образец текста</a:t>
             </a:r>
-            <a:endParaRPr lang="ru-RU"/>
           </a:p>
         </p:txBody>
       </p:sp>
@@ -2717,6 +2681,7 @@
             </a:pPr>
             <a:fld id="{BD727A50-A9FB-43D7-90F7-C3890325684D}" type="datetimeFigureOut">
               <a:rPr lang="ru-RU"/>
+              <a:t>31.01.2025</a:t>
             </a:fld>
             <a:endParaRPr lang="ru-RU"/>
           </a:p>
@@ -2769,6 +2734,7 @@
           <a:p>
             <a:fld id="{08C1E576-F82D-4E5A-BFDC-339902B01FE8}" type="slidenum">
               <a:rPr lang="ru-RU" altLang="ru-RU"/>
+              <a:t>‹#›</a:t>
             </a:fld>
             <a:endParaRPr lang="ru-RU" altLang="ru-RU"/>
           </a:p>
@@ -2858,7 +2824,6 @@
               <a:rPr lang="ru-RU" altLang="ru-RU"/>
               <a:t>Образец заголовка</a:t>
             </a:r>
-            <a:endParaRPr lang="ru-RU" altLang="ru-RU"/>
           </a:p>
         </p:txBody>
       </p:sp>
@@ -2913,7 +2878,6 @@
               <a:rPr lang="ru-RU" altLang="ru-RU"/>
               <a:t>Образец текста</a:t>
             </a:r>
-            <a:endParaRPr lang="ru-RU" altLang="ru-RU"/>
           </a:p>
           <a:p>
             <a:pPr lvl="1"/>
@@ -2921,7 +2885,6 @@
               <a:rPr lang="ru-RU" altLang="ru-RU"/>
               <a:t>Второй уровень</a:t>
             </a:r>
-            <a:endParaRPr lang="ru-RU" altLang="ru-RU"/>
           </a:p>
           <a:p>
             <a:pPr lvl="2"/>
@@ -2929,7 +2892,6 @@
               <a:rPr lang="ru-RU" altLang="ru-RU"/>
               <a:t>Третий уровень</a:t>
             </a:r>
-            <a:endParaRPr lang="ru-RU" altLang="ru-RU"/>
           </a:p>
           <a:p>
             <a:pPr lvl="3"/>
@@ -2937,7 +2899,6 @@
               <a:rPr lang="ru-RU" altLang="ru-RU"/>
               <a:t>Четвертый уровень</a:t>
             </a:r>
-            <a:endParaRPr lang="ru-RU" altLang="ru-RU"/>
           </a:p>
           <a:p>
             <a:pPr lvl="4"/>
@@ -2945,7 +2906,6 @@
               <a:rPr lang="ru-RU" altLang="ru-RU"/>
               <a:t>Пятый уровень</a:t>
             </a:r>
-            <a:endParaRPr lang="ru-RU" altLang="ru-RU"/>
           </a:p>
         </p:txBody>
       </p:sp>
@@ -2995,6 +2955,7 @@
             </a:pPr>
             <a:fld id="{40B2E142-AB09-4B6D-BC10-00B14B0BE356}" type="datetimeFigureOut">
               <a:rPr lang="ru-RU"/>
+              <a:t>31.01.2025</a:t>
             </a:fld>
             <a:endParaRPr lang="ru-RU"/>
           </a:p>
@@ -3081,6 +3042,7 @@
           <a:p>
             <a:fld id="{616B680D-F966-4B43-8816-859FAE01D422}" type="slidenum">
               <a:rPr lang="ru-RU" altLang="ru-RU"/>
+              <a:t>‹#›</a:t>
             </a:fld>
             <a:endParaRPr lang="ru-RU" altLang="ru-RU"/>
           </a:p>
@@ -3716,7 +3678,6 @@
               <a:rPr lang="ru-RU" altLang="ru-RU" sz="2800" b="1" dirty="0"/>
               <a:t>, 1758) мы наблюдаем на литорали Белого моря?</a:t>
             </a:r>
-            <a:endParaRPr lang="ru-RU" altLang="ru-RU" sz="2800" b="1" dirty="0"/>
           </a:p>
         </p:txBody>
       </p:sp>
@@ -4096,7 +4057,7 @@
           <p:nvPr/>
         </p:nvPicPr>
         <p:blipFill>
-          <a:blip r:embed="rId1" cstate="hqprint">
+          <a:blip r:embed="rId2" cstate="print">
             <a:extLst>
               <a:ext uri="{28A0092B-C50C-407E-A947-70E740481C1C}">
                 <a14:useLocalDpi xmlns:a14="http://schemas.microsoft.com/office/drawing/2010/main" val="0"/>
@@ -4505,7 +4466,6 @@
               <a:rPr lang="ru-RU" sz="1600" dirty="0" smtClean="0"/>
               <a:t>университет</a:t>
             </a:r>
-            <a:endParaRPr lang="ru-RU" sz="1600" dirty="0" smtClean="0"/>
           </a:p>
           <a:p>
             <a:pPr eaLnBrk="1" hangingPunct="1"/>
@@ -4517,7 +4477,6 @@
               <a:rPr lang="ru-RU" sz="1600" dirty="0"/>
               <a:t>Кандалакшский государственный заповедник</a:t>
             </a:r>
-            <a:endParaRPr lang="ru-RU" sz="1600" dirty="0"/>
           </a:p>
           <a:p>
             <a:pPr eaLnBrk="1" hangingPunct="1"/>
@@ -4559,7 +4518,7 @@
           <p:nvPr/>
         </p:nvPicPr>
         <p:blipFill>
-          <a:blip r:embed="rId1">
+          <a:blip r:embed="rId2">
             <a:extLst>
               <a:ext uri="{28A0092B-C50C-407E-A947-70E740481C1C}">
                 <a14:useLocalDpi xmlns:a14="http://schemas.microsoft.com/office/drawing/2010/main" val="0"/>
@@ -4589,7 +4548,7 @@
           <p:nvPr/>
         </p:nvPicPr>
         <p:blipFill>
-          <a:blip r:embed="rId2">
+          <a:blip r:embed="rId3">
             <a:extLst>
               <a:ext uri="{28A0092B-C50C-407E-A947-70E740481C1C}">
                 <a14:useLocalDpi xmlns:a14="http://schemas.microsoft.com/office/drawing/2010/main" val="0"/>
@@ -4632,6 +4591,7 @@
           </a:bodyPr>
           <a:lstStyle/>
           <a:p>
+            <a:pPr algn="ctr"/>
             <a:r>
               <a:rPr lang="ru-RU" sz="1200" dirty="0" smtClean="0"/>
               <a:t>Количество </a:t>
@@ -4640,7 +4600,6 @@
               <a:rPr lang="ru-RU" sz="1200" dirty="0"/>
               <a:t>пеллет у двух видов моллюсков, кормившихся на двух типах субстратов.</a:t>
             </a:r>
-            <a:endParaRPr lang="ru-RU" sz="1200" dirty="0"/>
           </a:p>
         </p:txBody>
       </p:sp>
@@ -4674,7 +4633,66 @@
               <a:rPr lang="ru-RU" sz="1200" dirty="0"/>
               <a:t>двух видов литторин по литорали. </a:t>
             </a:r>
-            <a:endParaRPr lang="ru-RU" sz="1200" dirty="0"/>
+          </a:p>
+        </p:txBody>
+      </p:sp>
+      <p:sp>
+        <p:nvSpPr>
+          <p:cNvPr id="2" name="TextBox 1"/>
+          <p:cNvSpPr txBox="1"/>
+          <p:nvPr/>
+        </p:nvSpPr>
+        <p:spPr>
+          <a:xfrm rot="5400000">
+            <a:off x="2678887" y="1815956"/>
+            <a:ext cx="1584176" cy="215444"/>
+          </a:xfrm>
+          <a:prstGeom prst="rect">
+            <a:avLst/>
+          </a:prstGeom>
+          <a:noFill/>
+        </p:spPr>
+        <p:txBody>
+          <a:bodyPr wrap="square" rtlCol="0">
+            <a:spAutoFit/>
+          </a:bodyPr>
+          <a:lstStyle/>
+          <a:p>
+            <a:r>
+              <a:rPr lang="ru-RU" sz="800" dirty="0" smtClean="0"/>
+              <a:t>Граница пояса фукоидов</a:t>
+            </a:r>
+            <a:endParaRPr lang="ru-RU" sz="800" dirty="0"/>
+          </a:p>
+        </p:txBody>
+      </p:sp>
+      <p:sp>
+        <p:nvSpPr>
+          <p:cNvPr id="8" name="TextBox 7"/>
+          <p:cNvSpPr txBox="1"/>
+          <p:nvPr/>
+        </p:nvSpPr>
+        <p:spPr>
+          <a:xfrm rot="5400000">
+            <a:off x="791290" y="1815956"/>
+            <a:ext cx="1584176" cy="215444"/>
+          </a:xfrm>
+          <a:prstGeom prst="rect">
+            <a:avLst/>
+          </a:prstGeom>
+          <a:noFill/>
+        </p:spPr>
+        <p:txBody>
+          <a:bodyPr wrap="square" rtlCol="0">
+            <a:spAutoFit/>
+          </a:bodyPr>
+          <a:lstStyle/>
+          <a:p>
+            <a:r>
+              <a:rPr lang="ru-RU" sz="800" dirty="0" smtClean="0"/>
+              <a:t>Граница пояса фукоидов</a:t>
+            </a:r>
+            <a:endParaRPr lang="ru-RU" sz="800" dirty="0"/>
           </a:p>
         </p:txBody>
       </p:sp>
@@ -4964,6 +4982,8 @@
       </a:bgFillStyleLst>
     </a:fmtScheme>
   </a:themeElements>
+  <a:objectDefaults/>
+  <a:extraClrSchemeLst/>
   <a:extLst>
     <a:ext uri="{05A4C25C-085E-4340-85A3-A5531E510DB2}">
       <thm15:themeFamily xmlns:thm15="http://schemas.microsoft.com/office/thememl/2012/main" name="Office Theme" id="{62F939B6-93AF-4DB8-9C6B-D6C7DFDC589F}" vid="{4A3C46E8-61CC-4603-A589-7422A47A8E4A}"/>
